--- a/reseach_question_presentation_template.pptx
+++ b/reseach_question_presentation_template.pptx
@@ -4935,41 +4935,20 @@
           <a:p>
             <a:r>
               <a:rPr lang="en-GB" dirty="0"/>
-              <a:t>You have 5 minutes to present – be ready to share your screen, present slides in "full screen / presentation mode". Practice first. We can only offer you one opportunity to present your Research Question, so please </a:t>
-            </a:r>
-            <a:r>
-              <a:rPr lang="en-GB"/>
-              <a:t>make the most of this opportunity to help you pass coursework 2. </a:t>
-            </a:r>
+              <a:t>You have 5 minutes to present – be ready to share your screen, present slides in "full screen / presentation mode". Practice first. We can only offer you one opportunity to present your Research Question, so please make the most of this opportunity to help you pass coursework 2. </a:t>
+            </a:r>
+          </a:p>
+          <a:p>
             <a:endParaRPr lang="en-GB" dirty="0"/>
           </a:p>
           <a:p>
-            <a:endParaRPr lang="en-GB"/>
-          </a:p>
-          <a:p>
             <a:r>
               <a:rPr lang="en-GB" dirty="0">
                 <a:solidFill>
                   <a:srgbClr val="FF0000"/>
                 </a:solidFill>
               </a:rPr>
-              <a:t>Research Questions are dependent on the variables and datatypes you have in your assigned dataset. Before you define your Research Question, your dataset dsXXXX must match your assigned Dataset, I.e., did you </a:t>
-            </a:r>
-            <a:r>
-              <a:rPr lang="en-GB">
-                <a:solidFill>
-                  <a:srgbClr val="FF0000"/>
-                </a:solidFill>
-              </a:rPr>
-              <a:t>receive confirmation email about your allocation?</a:t>
-            </a:r>
-            <a:r>
-              <a:rPr lang="en-GB" dirty="0">
-                <a:solidFill>
-                  <a:srgbClr val="FF0000"/>
-                </a:solidFill>
-              </a:rPr>
-              <a:t> Your group number must be assigned to the dataset you are referencing here.</a:t>
+              <a:t>Research Questions are dependent on the variables and datatypes you have in your assigned dataset. Before you define your Research Question, your dataset dsXXXX must match your assigned Dataset, I.e., did you receive confirmation email about your allocation? Your group number must be assigned to the dataset you are referencing here.</a:t>
             </a:r>
             <a:endParaRPr lang="en-GB" dirty="0">
               <a:solidFill>
@@ -4979,7 +4958,7 @@
             </a:endParaRPr>
           </a:p>
           <a:p>
-            <a:endParaRPr lang="en-GB">
+            <a:endParaRPr lang="en-GB" dirty="0">
               <a:solidFill>
                 <a:srgbClr val="203232"/>
               </a:solidFill>
@@ -4988,12 +4967,8 @@
           </a:p>
           <a:p>
             <a:r>
-              <a:rPr lang="en-GB"/>
-              <a:t>The next slides give you three alternatives for defining your research question and hypotheses. Select </a:t>
-            </a:r>
-            <a:r>
               <a:rPr lang="en-GB" dirty="0"/>
-              <a:t>only </a:t>
+              <a:t>The next slides give you three alternatives for defining your research question and hypotheses. Select only </a:t>
             </a:r>
             <a:r>
               <a:rPr lang="en-GB" b="1" dirty="0"/>
@@ -5007,27 +4982,24 @@
           <a:p>
             <a:r>
               <a:rPr lang="en-GB" dirty="0"/>
-              <a:t>Before presenting DELETE all text that is either an instruction or an optionyou do not use (including this slide).   You can then enlarge your selection. Instructions for group sign up of presentation slots will be announced on Canvas and Slack. DO NOT SIGN UP unless you can attend. Ideally, all group members should attend; select one person to present, while others take notes. All group be ready to answer questions.  Any group not </a:t>
-            </a:r>
-            <a:r>
-              <a:rPr lang="en-GB"/>
-              <a:t>presenting will miss the opportunity to check a critical part of coursework 2.   Practice presenting on Teams </a:t>
+              <a:t>Before presenting DELETE all text that is either an instruction or an </a:t>
+            </a:r>
+            <a:r>
+              <a:rPr lang="en-GB" dirty="0" err="1"/>
+              <a:t>optionyou</a:t>
             </a:r>
             <a:r>
               <a:rPr lang="en-GB" dirty="0"/>
-              <a:t>first.</a:t>
-            </a:r>
-            <a:endParaRPr lang="en-GB">
-              <a:cs typeface="Arial"/>
-            </a:endParaRPr>
-          </a:p>
-          <a:p>
-            <a:r>
-              <a:rPr lang="en-GB" b="1" i="1"/>
+              <a:t> do not use (including this slide).   You can then enlarge your selection. Instructions for group sign up of presentation slots will be announced on Canvas and Slack. DO NOT SIGN UP unless you can attend. Ideally, all group members should attend; select one person to present, while others take notes. All group be ready to answer questions.  Any group not presenting will miss the opportunity to check a critical part of coursework 2.   Practice presenting on Teams first.</a:t>
+            </a:r>
+          </a:p>
+          <a:p>
+            <a:r>
+              <a:rPr lang="en-GB" b="1" i="1" dirty="0"/>
               <a:t>We look forward to giving you feedback.  You will not be graded on this presentation but if you do not attend and you booked a space you are preventing someone else presenting and are going against our module values</a:t>
             </a:r>
             <a:r>
-              <a:rPr lang="en-GB"/>
+              <a:rPr lang="en-GB" dirty="0"/>
               <a:t>.  This will be reflected in your peer evaluation.</a:t>
             </a:r>
           </a:p>
@@ -5101,27 +5073,27 @@
           <a:lstStyle/>
           <a:p>
             <a:r>
-              <a:rPr lang="en-US"/>
+              <a:rPr lang="en-US" dirty="0"/>
               <a:t>Research Question – </a:t>
             </a:r>
             <a:br>
-              <a:rPr lang="en-US"/>
+              <a:rPr lang="en-US" dirty="0"/>
             </a:br>
             <a:r>
-              <a:rPr lang="en-US" sz="4000"/>
+              <a:rPr lang="en-US" sz="4000" dirty="0"/>
               <a:t>Tutorial Presentation for Feedback</a:t>
             </a:r>
             <a:br>
-              <a:rPr lang="en-US" sz="4000"/>
+              <a:rPr lang="en-US" sz="4000" dirty="0"/>
             </a:br>
             <a:r>
-              <a:rPr lang="en-US" sz="2200"/>
+              <a:rPr lang="en-US" sz="2200" dirty="0"/>
               <a:t>Date: </a:t>
             </a:r>
             <a:br>
-              <a:rPr lang="en-US" sz="8000"/>
+              <a:rPr lang="en-US" sz="8000" dirty="0"/>
             </a:br>
-            <a:endParaRPr lang="en-US"/>
+            <a:endParaRPr lang="en-US" dirty="0"/>
           </a:p>
         </p:txBody>
       </p:sp>
@@ -5141,14 +5113,19 @@
             <p:ph type="subTitle" idx="1"/>
           </p:nvPr>
         </p:nvSpPr>
-        <p:spPr/>
+        <p:spPr>
+          <a:xfrm>
+            <a:off x="954000" y="1890000"/>
+            <a:ext cx="10192536" cy="360000"/>
+          </a:xfrm>
+        </p:spPr>
         <p:txBody>
           <a:bodyPr/>
           <a:lstStyle/>
           <a:p>
             <a:r>
-              <a:rPr lang="en-US" sz="2000"/>
-              <a:t>Group Name:                                                            Name of Student Presenting:</a:t>
+              <a:rPr lang="en-US" sz="2000" dirty="0"/>
+              <a:t>Group Name: A 103                                                           Name of Student Presenting: Dhanashree</a:t>
             </a:r>
           </a:p>
         </p:txBody>
@@ -5179,9 +5156,10 @@
           <a:bodyPr/>
           <a:lstStyle/>
           <a:p>
-            <a:r>
-              <a:rPr lang="en-GB"/>
-              <a:t>7COM1079-2025  Student Group No:                    Names of Student Attendees  (all group should attend to get feedback): </a:t>
+            <a:pPr algn="r"/>
+            <a:r>
+              <a:rPr lang="en-GB" dirty="0"/>
+              <a:t>7COM1079-2025  Student Group No: group A 103         Names of Student Attendees : Dhanashree, Meghana, Moulika, Jaswanth, Surendra</a:t>
             </a:r>
           </a:p>
         </p:txBody>
@@ -5234,7 +5212,7 @@
         </p:nvSpPr>
         <p:spPr>
           <a:xfrm>
-            <a:off x="965289" y="1147638"/>
+            <a:off x="965289" y="754446"/>
             <a:ext cx="9753625" cy="230832"/>
           </a:xfrm>
         </p:spPr>
@@ -5250,7 +5228,7 @@
               </a:spcAft>
             </a:pPr>
             <a:r>
-              <a:rPr lang="en-GB">
+              <a:rPr lang="en-GB" dirty="0">
                 <a:solidFill>
                   <a:srgbClr val="203232"/>
                 </a:solidFill>
@@ -5258,7 +5236,7 @@
               </a:rPr>
               <a:t>Here is a sample of our dataset: </a:t>
             </a:r>
-            <a:endParaRPr lang="en-GB" sz="1800">
+            <a:endParaRPr lang="en-GB" sz="1800" dirty="0">
               <a:solidFill>
                 <a:srgbClr val="FF0000"/>
               </a:solidFill>
@@ -5283,14 +5261,19 @@
             <p:ph type="ftr" sz="quarter" idx="11"/>
           </p:nvPr>
         </p:nvSpPr>
-        <p:spPr/>
+        <p:spPr>
+          <a:xfrm>
+            <a:off x="1001865" y="297246"/>
+            <a:ext cx="7176911" cy="230832"/>
+          </a:xfrm>
+        </p:spPr>
         <p:txBody>
           <a:bodyPr/>
           <a:lstStyle/>
           <a:p>
             <a:r>
-              <a:rPr lang="en-GB"/>
-              <a:t>PRE 7COM1079-2025  Student Group No:  ?????</a:t>
+              <a:rPr lang="en-GB" dirty="0"/>
+              <a:t>PRE 7COM1079-2025  Student Group No:  A103</a:t>
             </a:r>
           </a:p>
         </p:txBody>
@@ -5347,8 +5330,8 @@
         </p:nvSpPr>
         <p:spPr>
           <a:xfrm>
-            <a:off x="965289" y="1649904"/>
-            <a:ext cx="9869884" cy="3679180"/>
+            <a:off x="965288" y="1239078"/>
+            <a:ext cx="10273911" cy="4155882"/>
           </a:xfrm>
         </p:spPr>
         <p:txBody>
@@ -5356,6 +5339,73 @@
             <a:normAutofit fontScale="90000"/>
           </a:bodyPr>
           <a:lstStyle/>
+          <a:p>
+            <a:pPr>
+              <a:lnSpc>
+                <a:spcPts val="2880"/>
+              </a:lnSpc>
+              <a:spcBef>
+                <a:spcPts val="0"/>
+              </a:spcBef>
+            </a:pPr>
+            <a:r>
+              <a:rPr lang="en-GB" sz="2000" b="0" spc="0" dirty="0">
+                <a:solidFill>
+                  <a:srgbClr val="FF0000"/>
+                </a:solidFill>
+                <a:cs typeface="Arial"/>
+              </a:rPr>
+              <a:t>The dataset contains 36041 daily records of commodity prices and trading volume, a fairly large time series suitable for trend analysis and forecasting.</a:t>
+            </a:r>
+            <a:br>
+              <a:rPr lang="en-GB" sz="2000" b="0" spc="0" dirty="0">
+                <a:solidFill>
+                  <a:srgbClr val="FF0000"/>
+                </a:solidFill>
+                <a:cs typeface="Arial"/>
+              </a:rPr>
+            </a:br>
+            <a:r>
+              <a:rPr lang="en-GB" sz="2000" b="0" spc="0" dirty="0">
+                <a:solidFill>
+                  <a:srgbClr val="FF0000"/>
+                </a:solidFill>
+                <a:cs typeface="Arial"/>
+              </a:rPr>
+              <a:t>Independent variables : ticker, commodity, date</a:t>
+            </a:r>
+            <a:br>
+              <a:rPr lang="en-GB" sz="2000" b="0" spc="0" dirty="0">
+                <a:solidFill>
+                  <a:srgbClr val="FF0000"/>
+                </a:solidFill>
+                <a:cs typeface="Arial"/>
+              </a:rPr>
+            </a:br>
+            <a:r>
+              <a:rPr lang="en-GB" sz="2000" b="0" spc="0" dirty="0">
+                <a:solidFill>
+                  <a:srgbClr val="FF0000"/>
+                </a:solidFill>
+                <a:cs typeface="Arial"/>
+              </a:rPr>
+              <a:t>Dependent variables : open, high, low, close, volume</a:t>
+            </a:r>
+            <a:br>
+              <a:rPr lang="en-GB" sz="2000" b="0" spc="0" dirty="0">
+                <a:solidFill>
+                  <a:srgbClr val="FF0000"/>
+                </a:solidFill>
+                <a:cs typeface="Arial"/>
+              </a:rPr>
+            </a:br>
+            <a:endParaRPr lang="en-US" sz="2000" b="0" spc="0" dirty="0">
+              <a:solidFill>
+                <a:srgbClr val="FF0000"/>
+              </a:solidFill>
+              <a:cs typeface="Arial"/>
+            </a:endParaRPr>
+          </a:p>
           <a:p>
             <a:pPr>
               <a:lnSpc>
@@ -5369,49 +5419,15 @@
               </a:spcAft>
             </a:pPr>
             <a:r>
-              <a:rPr lang="en-GB" sz="3600" b="0" dirty="0">
+              <a:rPr lang="en-GB" sz="3100" spc="-150" dirty="0">
                 <a:solidFill>
                   <a:srgbClr val="FF0000"/>
                 </a:solidFill>
                 <a:cs typeface="Arial"/>
               </a:rPr>
-              <a:t>The dataset contains 36041 daily records of commodity prices and trading volume, a fairly large time series suitable for trend analysis and forecasting.</a:t>
-            </a:r>
-            <a:br>
-              <a:rPr lang="en-GB" sz="3600" b="0" dirty="0">
-                <a:solidFill>
-                  <a:srgbClr val="FF0000"/>
-                </a:solidFill>
-                <a:cs typeface="Arial"/>
-              </a:rPr>
-            </a:br>
-            <a:r>
-              <a:rPr lang="en-GB" sz="3600" b="0" dirty="0">
-                <a:solidFill>
-                  <a:srgbClr val="FF0000"/>
-                </a:solidFill>
-                <a:cs typeface="Arial"/>
-              </a:rPr>
-              <a:t>Independent variables : ticker, commodity, date</a:t>
-            </a:r>
-            <a:br>
-              <a:rPr lang="en-GB" sz="3600" b="0" dirty="0">
-                <a:solidFill>
-                  <a:srgbClr val="FF0000"/>
-                </a:solidFill>
-                <a:cs typeface="Arial"/>
-              </a:rPr>
-            </a:br>
-            <a:r>
-              <a:rPr lang="en-GB" sz="3600" b="0" dirty="0">
-                <a:solidFill>
-                  <a:srgbClr val="FF0000"/>
-                </a:solidFill>
-                <a:cs typeface="Arial"/>
-              </a:rPr>
-              <a:t>Dependent variables : open, high, low, close, volume</a:t>
-            </a:r>
-            <a:endParaRPr lang="en-US" sz="3600" b="0" dirty="0">
+              <a:t>1. close, commodity</a:t>
+            </a:r>
+            <a:endParaRPr lang="en-US" sz="3100" spc="-150" dirty="0">
               <a:solidFill>
                 <a:srgbClr val="FF0000"/>
               </a:solidFill>
@@ -5419,7 +5435,7 @@
             </a:endParaRPr>
           </a:p>
           <a:p>
-            <a:pPr marL="742950" indent="-742950">
+            <a:pPr>
               <a:lnSpc>
                 <a:spcPts val="2880"/>
               </a:lnSpc>
@@ -5429,18 +5445,33 @@
               <a:spcAft>
                 <a:spcPts val="992"/>
               </a:spcAft>
-              <a:buAutoNum type="arabicPeriod"/>
             </a:pPr>
             <a:r>
-              <a:rPr lang="en-GB" sz="3600" b="0" dirty="0">
+              <a:rPr lang="en-US" sz="3100" spc="-150" dirty="0">
                 <a:solidFill>
                   <a:srgbClr val="FF0000"/>
                 </a:solidFill>
                 <a:cs typeface="Arial"/>
               </a:rPr>
-              <a:t>Close, commodity</a:t>
-            </a:r>
-            <a:endParaRPr lang="en-US" sz="3600" b="0" dirty="0">
+              <a:t>2.</a:t>
+            </a:r>
+            <a:br>
+              <a:rPr lang="en-US" sz="3100" spc="-150" dirty="0">
+                <a:solidFill>
+                  <a:srgbClr val="FF0000"/>
+                </a:solidFill>
+                <a:cs typeface="Arial"/>
+              </a:rPr>
+            </a:br>
+            <a:br>
+              <a:rPr lang="en-US" sz="3100" spc="-150" dirty="0">
+                <a:solidFill>
+                  <a:srgbClr val="FF0000"/>
+                </a:solidFill>
+                <a:cs typeface="Arial"/>
+              </a:rPr>
+            </a:br>
+            <a:endParaRPr lang="en-US" sz="3100" spc="-150" dirty="0">
               <a:solidFill>
                 <a:srgbClr val="FF0000"/>
               </a:solidFill>
@@ -5448,7 +5479,7 @@
             </a:endParaRPr>
           </a:p>
           <a:p>
-            <a:pPr marL="742950" indent="-742950">
+            <a:pPr>
               <a:lnSpc>
                 <a:spcPts val="2880"/>
               </a:lnSpc>
@@ -5458,52 +5489,15 @@
               <a:spcAft>
                 <a:spcPts val="992"/>
               </a:spcAft>
-              <a:buAutoNum type="arabicPeriod"/>
             </a:pPr>
-            <a:br>
-              <a:rPr lang="en-US" sz="3600" b="0" dirty="0">
+            <a:r>
+              <a:rPr lang="en-GB" sz="3100" spc="-150" dirty="0">
                 <a:solidFill>
                   <a:srgbClr val="FF0000"/>
                 </a:solidFill>
                 <a:cs typeface="Arial"/>
               </a:rPr>
-            </a:br>
-            <a:br>
-              <a:rPr lang="en-US" sz="3600" b="0" dirty="0">
-                <a:solidFill>
-                  <a:srgbClr val="FF0000"/>
-                </a:solidFill>
-                <a:cs typeface="Arial"/>
-              </a:rPr>
-            </a:br>
-            <a:endParaRPr lang="en-US" sz="3600" b="0" dirty="0">
-              <a:solidFill>
-                <a:srgbClr val="FF0000"/>
-              </a:solidFill>
-              <a:cs typeface="Arial"/>
-            </a:endParaRPr>
-          </a:p>
-          <a:p>
-            <a:pPr marL="742950" indent="-742950">
-              <a:lnSpc>
-                <a:spcPts val="2880"/>
-              </a:lnSpc>
-              <a:spcBef>
-                <a:spcPts val="0"/>
-              </a:spcBef>
-              <a:spcAft>
-                <a:spcPts val="992"/>
-              </a:spcAft>
-              <a:buAutoNum type="arabicPeriod"/>
-            </a:pPr>
-            <a:r>
-              <a:rPr lang="en-GB" sz="3600" dirty="0">
-                <a:solidFill>
-                  <a:srgbClr val="FF0000"/>
-                </a:solidFill>
-                <a:cs typeface="Arial"/>
-              </a:rPr>
-              <a:t>Number of rows = 36041</a:t>
+              <a:t>3. Number of rows = 36041</a:t>
             </a:r>
             <a:br>
               <a:rPr lang="en-GB" sz="3600" dirty="0">
@@ -5521,7 +5515,7 @@
             </a:endParaRPr>
           </a:p>
           <a:p>
-            <a:endParaRPr lang="en-US" dirty="0">
+            <a:endParaRPr lang="en-US" sz="800" dirty="0">
               <a:solidFill>
                 <a:srgbClr val="FF0000"/>
               </a:solidFill>
@@ -5532,10 +5526,10 @@
       </p:sp>
       <p:pic>
         <p:nvPicPr>
-          <p:cNvPr id="6" name="Picture 5">
-            <a:extLst>
-              <a:ext uri="{FF2B5EF4-FFF2-40B4-BE49-F238E27FC236}">
-                <a16:creationId xmlns:a16="http://schemas.microsoft.com/office/drawing/2014/main" id="{724EDFA2-E981-AD7A-1A6B-8395D9DA559F}"/>
+          <p:cNvPr id="15" name="Picture 14">
+            <a:extLst>
+              <a:ext uri="{FF2B5EF4-FFF2-40B4-BE49-F238E27FC236}">
+                <a16:creationId xmlns:a16="http://schemas.microsoft.com/office/drawing/2014/main" id="{83F6CC8C-3C66-68FD-D2DF-A05021D1B828}"/>
               </a:ext>
             </a:extLst>
           </p:cNvPr>
@@ -5552,14 +5546,118 @@
         </p:blipFill>
         <p:spPr>
           <a:xfrm>
-            <a:off x="2881252" y="4041595"/>
-            <a:ext cx="5896988" cy="1166501"/>
+            <a:off x="1342205" y="3632415"/>
+            <a:ext cx="6006523" cy="957873"/>
           </a:xfrm>
           <a:prstGeom prst="rect">
             <a:avLst/>
           </a:prstGeom>
         </p:spPr>
       </p:pic>
+      <p:sp>
+        <p:nvSpPr>
+          <p:cNvPr id="16" name="Rectangle 15">
+            <a:extLst>
+              <a:ext uri="{FF2B5EF4-FFF2-40B4-BE49-F238E27FC236}">
+                <a16:creationId xmlns:a16="http://schemas.microsoft.com/office/drawing/2014/main" id="{CACA569E-50DC-B1B4-8452-33B36A4E7333}"/>
+              </a:ext>
+            </a:extLst>
+          </p:cNvPr>
+          <p:cNvSpPr/>
+          <p:nvPr/>
+        </p:nvSpPr>
+        <p:spPr>
+          <a:xfrm>
+            <a:off x="2020824" y="3563111"/>
+            <a:ext cx="865632" cy="1170433"/>
+          </a:xfrm>
+          <a:prstGeom prst="rect">
+            <a:avLst/>
+          </a:prstGeom>
+          <a:noFill/>
+          <a:ln w="19050">
+            <a:solidFill>
+              <a:srgbClr val="00B0F0"/>
+            </a:solidFill>
+          </a:ln>
+        </p:spPr>
+        <p:style>
+          <a:lnRef idx="2">
+            <a:schemeClr val="accent1">
+              <a:shade val="15000"/>
+            </a:schemeClr>
+          </a:lnRef>
+          <a:fillRef idx="1">
+            <a:schemeClr val="accent1"/>
+          </a:fillRef>
+          <a:effectRef idx="0">
+            <a:schemeClr val="accent1"/>
+          </a:effectRef>
+          <a:fontRef idx="minor">
+            <a:schemeClr val="lt1"/>
+          </a:fontRef>
+        </p:style>
+        <p:txBody>
+          <a:bodyPr rtlCol="0" anchor="ctr"/>
+          <a:lstStyle/>
+          <a:p>
+            <a:pPr algn="ctr"/>
+            <a:endParaRPr lang="en-IN"/>
+          </a:p>
+        </p:txBody>
+      </p:sp>
+      <p:sp>
+        <p:nvSpPr>
+          <p:cNvPr id="17" name="Rectangle 16">
+            <a:extLst>
+              <a:ext uri="{FF2B5EF4-FFF2-40B4-BE49-F238E27FC236}">
+                <a16:creationId xmlns:a16="http://schemas.microsoft.com/office/drawing/2014/main" id="{7983E8FD-89D4-CEEE-7641-2F02D10B2B8C}"/>
+              </a:ext>
+            </a:extLst>
+          </p:cNvPr>
+          <p:cNvSpPr/>
+          <p:nvPr/>
+        </p:nvSpPr>
+        <p:spPr>
+          <a:xfrm>
+            <a:off x="5861304" y="3563112"/>
+            <a:ext cx="758952" cy="1170432"/>
+          </a:xfrm>
+          <a:prstGeom prst="rect">
+            <a:avLst/>
+          </a:prstGeom>
+          <a:noFill/>
+          <a:ln w="19050">
+            <a:solidFill>
+              <a:srgbClr val="00B0F0"/>
+            </a:solidFill>
+          </a:ln>
+        </p:spPr>
+        <p:style>
+          <a:lnRef idx="2">
+            <a:schemeClr val="accent1">
+              <a:shade val="15000"/>
+            </a:schemeClr>
+          </a:lnRef>
+          <a:fillRef idx="1">
+            <a:schemeClr val="accent1"/>
+          </a:fillRef>
+          <a:effectRef idx="0">
+            <a:schemeClr val="accent1"/>
+          </a:effectRef>
+          <a:fontRef idx="minor">
+            <a:schemeClr val="lt1"/>
+          </a:fontRef>
+        </p:style>
+        <p:txBody>
+          <a:bodyPr rtlCol="0" anchor="ctr"/>
+          <a:lstStyle/>
+          <a:p>
+            <a:pPr algn="ctr"/>
+            <a:endParaRPr lang="en-IN"/>
+          </a:p>
+        </p:txBody>
+      </p:sp>
     </p:spTree>
     <p:extLst>
       <p:ext uri="{BB962C8B-B14F-4D97-AF65-F5344CB8AC3E}">
@@ -5570,6 +5668,149 @@
   <p:clrMapOvr>
     <a:masterClrMapping/>
   </p:clrMapOvr>
+  <p:timing>
+    <p:tnLst>
+      <p:par>
+        <p:cTn id="1" dur="indefinite" restart="never" nodeType="tmRoot">
+          <p:childTnLst>
+            <p:seq concurrent="1" nextAc="seek">
+              <p:cTn id="2" dur="indefinite" nodeType="mainSeq">
+                <p:childTnLst>
+                  <p:par>
+                    <p:cTn id="3" fill="hold">
+                      <p:stCondLst>
+                        <p:cond delay="indefinite"/>
+                        <p:cond evt="onBegin" delay="0">
+                          <p:tn val="2"/>
+                        </p:cond>
+                      </p:stCondLst>
+                      <p:childTnLst>
+                        <p:par>
+                          <p:cTn id="4" fill="hold">
+                            <p:stCondLst>
+                              <p:cond delay="0"/>
+                            </p:stCondLst>
+                            <p:childTnLst>
+                              <p:par>
+                                <p:cTn id="5" presetID="10" presetClass="entr" presetSubtype="0" fill="hold" grpId="0" nodeType="withEffect">
+                                  <p:stCondLst>
+                                    <p:cond delay="0"/>
+                                  </p:stCondLst>
+                                  <p:childTnLst>
+                                    <p:set>
+                                      <p:cBhvr>
+                                        <p:cTn id="6" dur="1" fill="hold">
+                                          <p:stCondLst>
+                                            <p:cond delay="0"/>
+                                          </p:stCondLst>
+                                        </p:cTn>
+                                        <p:tgtEl>
+                                          <p:spTgt spid="16"/>
+                                        </p:tgtEl>
+                                        <p:attrNameLst>
+                                          <p:attrName>style.visibility</p:attrName>
+                                        </p:attrNameLst>
+                                      </p:cBhvr>
+                                      <p:to>
+                                        <p:strVal val="visible"/>
+                                      </p:to>
+                                    </p:set>
+                                    <p:animEffect transition="in" filter="fade">
+                                      <p:cBhvr>
+                                        <p:cTn id="7" dur="500"/>
+                                        <p:tgtEl>
+                                          <p:spTgt spid="16"/>
+                                        </p:tgtEl>
+                                      </p:cBhvr>
+                                    </p:animEffect>
+                                  </p:childTnLst>
+                                </p:cTn>
+                              </p:par>
+                            </p:childTnLst>
+                          </p:cTn>
+                        </p:par>
+                      </p:childTnLst>
+                    </p:cTn>
+                  </p:par>
+                  <p:par>
+                    <p:cTn id="8" fill="hold">
+                      <p:stCondLst>
+                        <p:cond delay="indefinite"/>
+                      </p:stCondLst>
+                      <p:childTnLst>
+                        <p:par>
+                          <p:cTn id="9" fill="hold">
+                            <p:stCondLst>
+                              <p:cond delay="0"/>
+                            </p:stCondLst>
+                            <p:childTnLst>
+                              <p:par>
+                                <p:cTn id="10" presetID="10" presetClass="entr" presetSubtype="0" fill="hold" grpId="0" nodeType="clickEffect">
+                                  <p:stCondLst>
+                                    <p:cond delay="0"/>
+                                  </p:stCondLst>
+                                  <p:childTnLst>
+                                    <p:set>
+                                      <p:cBhvr>
+                                        <p:cTn id="11" dur="1" fill="hold">
+                                          <p:stCondLst>
+                                            <p:cond delay="0"/>
+                                          </p:stCondLst>
+                                        </p:cTn>
+                                        <p:tgtEl>
+                                          <p:spTgt spid="17"/>
+                                        </p:tgtEl>
+                                        <p:attrNameLst>
+                                          <p:attrName>style.visibility</p:attrName>
+                                        </p:attrNameLst>
+                                      </p:cBhvr>
+                                      <p:to>
+                                        <p:strVal val="visible"/>
+                                      </p:to>
+                                    </p:set>
+                                    <p:animEffect transition="in" filter="fade">
+                                      <p:cBhvr>
+                                        <p:cTn id="12" dur="500"/>
+                                        <p:tgtEl>
+                                          <p:spTgt spid="17"/>
+                                        </p:tgtEl>
+                                      </p:cBhvr>
+                                    </p:animEffect>
+                                  </p:childTnLst>
+                                </p:cTn>
+                              </p:par>
+                            </p:childTnLst>
+                          </p:cTn>
+                        </p:par>
+                      </p:childTnLst>
+                    </p:cTn>
+                  </p:par>
+                </p:childTnLst>
+              </p:cTn>
+              <p:prevCondLst>
+                <p:cond evt="onPrev" delay="0">
+                  <p:tgtEl>
+                    <p:sldTgt/>
+                  </p:tgtEl>
+                </p:cond>
+              </p:prevCondLst>
+              <p:nextCondLst>
+                <p:cond evt="onNext" delay="0">
+                  <p:tgtEl>
+                    <p:sldTgt/>
+                  </p:tgtEl>
+                </p:cond>
+              </p:nextCondLst>
+            </p:seq>
+          </p:childTnLst>
+        </p:cTn>
+      </p:par>
+    </p:tnLst>
+    <p:bldLst>
+      <p:bldP spid="16" grpId="0" animBg="1"/>
+      <p:bldP spid="17" grpId="0" animBg="1"/>
+    </p:bldLst>
+  </p:timing>
 </p:sld>
 </file>
 
@@ -5608,7 +5849,7 @@
         </p:nvSpPr>
         <p:spPr>
           <a:xfrm>
-            <a:off x="965288" y="1285092"/>
+            <a:off x="965288" y="1248516"/>
             <a:ext cx="10110240" cy="588024"/>
           </a:xfrm>
         </p:spPr>
@@ -5631,13 +5872,44 @@
               <a:t>ID</a:t>
             </a:r>
             <a:r>
-              <a:rPr lang="en-US" sz="3200" dirty="0">
+              <a:rPr kumimoji="0" lang="en-US" sz="1600" b="1" i="0" u="none" strike="noStrike" kern="3000" cap="none" spc="-100" normalizeH="0" baseline="0" noProof="0" dirty="0">
+                <a:ln>
+                  <a:noFill/>
+                </a:ln>
                 <a:solidFill>
                   <a:srgbClr val="FF0000"/>
                 </a:solidFill>
-              </a:rPr>
-              <a:t>:DS118 - all_grains_data.csv</a:t>
-            </a:r>
+                <a:effectLst/>
+                <a:uLnTx/>
+                <a:uFillTx/>
+                <a:latin typeface="Arial" panose="020B0604020202020204"/>
+                <a:ea typeface="+mn-ea"/>
+                <a:cs typeface="+mn-cs"/>
+              </a:rPr>
+              <a:t> :   </a:t>
+            </a:r>
+            <a:r>
+              <a:rPr kumimoji="0" lang="en-US" sz="2400" b="1" i="0" u="none" strike="noStrike" kern="3000" cap="none" spc="-100" normalizeH="0" baseline="0" noProof="0" dirty="0">
+                <a:ln>
+                  <a:noFill/>
+                </a:ln>
+                <a:solidFill>
+                  <a:srgbClr val="FF0000"/>
+                </a:solidFill>
+                <a:effectLst/>
+                <a:uLnTx/>
+                <a:uFillTx/>
+                <a:latin typeface="Arial" panose="020B0604020202020204"/>
+                <a:ea typeface="+mn-ea"/>
+                <a:cs typeface="+mn-cs"/>
+              </a:rPr>
+              <a:t>DS118 - all_grains_data.csv</a:t>
+            </a:r>
+            <a:endParaRPr lang="en-US" sz="3200" dirty="0">
+              <a:solidFill>
+                <a:srgbClr val="FF0000"/>
+              </a:solidFill>
+            </a:endParaRPr>
           </a:p>
         </p:txBody>
       </p:sp>
@@ -5659,17 +5931,18 @@
         </p:nvSpPr>
         <p:spPr>
           <a:xfrm>
-            <a:off x="965288" y="791022"/>
-            <a:ext cx="9129687" cy="230832"/>
+            <a:off x="965288" y="388686"/>
+            <a:ext cx="10290976" cy="230832"/>
           </a:xfrm>
         </p:spPr>
         <p:txBody>
           <a:bodyPr/>
           <a:lstStyle/>
           <a:p>
-            <a:r>
-              <a:rPr lang="en-GB"/>
-              <a:t>7COM1079-2025  Student Group No:                    Names of Student Group Attendees: </a:t>
+            <a:pPr algn="r"/>
+            <a:r>
+              <a:rPr lang="en-GB" dirty="0"/>
+              <a:t>7COM1079-2025  Student Group No: group A 103         Names of Student Attendees : Dhanashree, Meghana, Moulika, Jaswanth, Surendra</a:t>
             </a:r>
           </a:p>
         </p:txBody>
@@ -5726,8 +5999,8 @@
         </p:nvSpPr>
         <p:spPr>
           <a:xfrm>
-            <a:off x="965288" y="1698305"/>
-            <a:ext cx="10974945" cy="2699181"/>
+            <a:off x="965288" y="1964557"/>
+            <a:ext cx="10974945" cy="3256667"/>
           </a:xfrm>
         </p:spPr>
         <p:txBody>
@@ -5746,7 +6019,7 @@
                 <a:latin typeface="Calibri"/>
                 <a:cs typeface="Calibri"/>
               </a:rPr>
-              <a:t>This dataset is interesting to us because </a:t>
+              <a:t>This dataset is interesting to us because</a:t>
             </a:r>
             <a:r>
               <a:rPr lang="en-US" sz="2400" b="0" dirty="0">
@@ -5756,7 +6029,7 @@
                 <a:latin typeface="Calibri"/>
                 <a:cs typeface="Calibri"/>
               </a:rPr>
-              <a:t>(one sentence):</a:t>
+              <a:t>:</a:t>
             </a:r>
             <a:br>
               <a:rPr lang="en-US" sz="2400" b="0" dirty="0">
@@ -5775,7 +6048,7 @@
                 <a:latin typeface="Calibri"/>
                 <a:cs typeface="Calibri"/>
               </a:rPr>
-              <a:t>It captures the daily historical trading data for commodities (like Corn, Oat, Wheat, Rough rice, Soybean oil, Soybean) allowing analysis of market trends, price volatility, and trading volume over time.</a:t>
+              <a:t>It captures the daily historical trading data for commodities (like Corn, Oat, KC HRW Wheat, Rough Rice, Soybean Oil, Soybean) allowing analysis of market trends, price volatility, and trading volume over time.</a:t>
             </a:r>
             <a:br>
               <a:rPr lang="en-US" sz="2400" b="0" spc="-150" dirty="0">
@@ -5824,7 +6097,14 @@
                 <a:latin typeface="Calibri"/>
                 <a:cs typeface="Calibri"/>
               </a:rPr>
-              <a:t>)</a:t>
+              <a:t>) </a:t>
+            </a:r>
+            <a:r>
+              <a:rPr lang="en-US" sz="2400" b="0" i="1" dirty="0">
+                <a:latin typeface="Calibri"/>
+                <a:cs typeface="Calibri"/>
+              </a:rPr>
+              <a:t>– Type of crop produced</a:t>
             </a:r>
             <a:br>
               <a:rPr lang="en-US" sz="2400" b="0" dirty="0">
@@ -5847,7 +6127,7 @@
                 <a:latin typeface="Calibri"/>
                 <a:cs typeface="Calibri"/>
               </a:rPr>
-              <a:t>This  Independent variable datatype is (select one): </a:t>
+              <a:t>This  Independent variable datatype is: </a:t>
             </a:r>
             <a:r>
               <a:rPr lang="en-US" sz="2400" b="0" spc="-150" dirty="0">
@@ -5858,16 +6138,6 @@
                 <a:cs typeface="Calibri"/>
               </a:rPr>
               <a:t>Nominal/categorial</a:t>
-            </a:r>
-            <a:r>
-              <a:rPr lang="en-US" sz="2400" b="0" dirty="0">
-                <a:solidFill>
-                  <a:srgbClr val="FF0000"/>
-                </a:solidFill>
-                <a:latin typeface="Calibri"/>
-                <a:cs typeface="Calibri"/>
-              </a:rPr>
-              <a:t> .</a:t>
             </a:r>
             <a:br>
               <a:rPr lang="en-US" sz="2400" b="0" dirty="0">
@@ -5910,7 +6180,14 @@
                 <a:latin typeface="Calibri"/>
                 <a:cs typeface="Calibri"/>
               </a:rPr>
-              <a:t>)</a:t>
+              <a:t>) </a:t>
+            </a:r>
+            <a:r>
+              <a:rPr lang="en-US" sz="2400" b="0" i="1" dirty="0">
+                <a:latin typeface="Calibri"/>
+                <a:cs typeface="Calibri"/>
+              </a:rPr>
+              <a:t>– closing price</a:t>
             </a:r>
             <a:br>
               <a:rPr lang="en-US" sz="2400" b="0" dirty="0">
@@ -5933,7 +6210,7 @@
                 <a:latin typeface="Calibri"/>
                 <a:cs typeface="Calibri"/>
               </a:rPr>
-              <a:t>This Dependent variable datatype is  (select one): </a:t>
+              <a:t>This Dependent variable datatype is: </a:t>
             </a:r>
             <a:r>
               <a:rPr lang="en-US" sz="2400" b="0" spc="-150" dirty="0">
@@ -5958,47 +6235,6 @@
               <a:latin typeface="Calibri"/>
               <a:cs typeface="Calibri"/>
             </a:endParaRPr>
-          </a:p>
-        </p:txBody>
-      </p:sp>
-      <p:sp>
-        <p:nvSpPr>
-          <p:cNvPr id="6" name="TextBox 5">
-            <a:extLst>
-              <a:ext uri="{FF2B5EF4-FFF2-40B4-BE49-F238E27FC236}">
-                <a16:creationId xmlns:a16="http://schemas.microsoft.com/office/drawing/2014/main" id="{732D6C0D-D649-2AA9-7741-835F3E841A25}"/>
-              </a:ext>
-            </a:extLst>
-          </p:cNvPr>
-          <p:cNvSpPr txBox="1"/>
-          <p:nvPr/>
-        </p:nvSpPr>
-        <p:spPr>
-          <a:xfrm>
-            <a:off x="6766560" y="5385816"/>
-            <a:ext cx="4187952" cy="1200329"/>
-          </a:xfrm>
-          <a:prstGeom prst="rect">
-            <a:avLst/>
-          </a:prstGeom>
-          <a:noFill/>
-        </p:spPr>
-        <p:txBody>
-          <a:bodyPr wrap="square" rtlCol="0">
-            <a:spAutoFit/>
-          </a:bodyPr>
-          <a:lstStyle/>
-          <a:p>
-            <a:r>
-              <a:rPr lang="en-GB">
-                <a:solidFill>
-                  <a:schemeClr val="accent2">
-                    <a:lumMod val="75000"/>
-                  </a:schemeClr>
-                </a:solidFill>
-              </a:rPr>
-              <a:t>*For comparison of two nominal variables and for comparison of proportions you use two (or more) independent variables (see next slide)</a:t>
-            </a:r>
           </a:p>
         </p:txBody>
       </p:sp>
@@ -6064,17 +6300,14 @@
               </a:spcAft>
             </a:pPr>
             <a:r>
-              <a:rPr lang="en-GB"/>
-              <a:t>Our Research Question is </a:t>
-            </a:r>
-            <a:r>
-              <a:rPr lang="en-GB" sz="1800">
-                <a:solidFill>
-                  <a:srgbClr val="FF0000"/>
-                </a:solidFill>
-              </a:rPr>
-              <a:t>Choose ONE of the three templates below replacing the blue text with your variables – then add hypotheses as shown in next slide:</a:t>
-            </a:r>
+              <a:rPr lang="en-GB" dirty="0"/>
+              <a:t>Our Research Question is</a:t>
+            </a:r>
+            <a:endParaRPr lang="en-GB" sz="1800" dirty="0">
+              <a:solidFill>
+                <a:srgbClr val="FF0000"/>
+              </a:solidFill>
+            </a:endParaRPr>
           </a:p>
         </p:txBody>
       </p:sp>
@@ -6100,8 +6333,8 @@
           <a:lstStyle/>
           <a:p>
             <a:r>
-              <a:rPr lang="en-GB"/>
-              <a:t>PRE 7COM1079-2025  Student Group No:  ?????</a:t>
+              <a:rPr lang="en-GB" dirty="0"/>
+              <a:t>PRE 7COM1079-2025  Student Group No:  A103</a:t>
             </a:r>
           </a:p>
         </p:txBody>
@@ -6173,65 +6406,77 @@
                 <a:spcPct val="100000"/>
               </a:lnSpc>
             </a:pPr>
-            <a:r>
-              <a:rPr lang="en-IE" sz="2400">
+            <a:br>
+              <a:rPr lang="en-IE" sz="2400" dirty="0">
+                <a:effectLst/>
+                <a:latin typeface="Calibri" panose="020F0502020204030204" pitchFamily="34" charset="0"/>
+                <a:ea typeface="Calibri" panose="020F0502020204030204" pitchFamily="34" charset="0"/>
+                <a:cs typeface="Times New Roman" panose="02020603050405020304" pitchFamily="18" charset="0"/>
+              </a:rPr>
+            </a:br>
+            <a:br>
+              <a:rPr lang="en-IE" sz="2400" dirty="0">
+                <a:effectLst/>
+                <a:latin typeface="Calibri" panose="020F0502020204030204" pitchFamily="34" charset="0"/>
+                <a:ea typeface="Calibri" panose="020F0502020204030204" pitchFamily="34" charset="0"/>
+                <a:cs typeface="Times New Roman" panose="02020603050405020304" pitchFamily="18" charset="0"/>
+              </a:rPr>
+            </a:br>
+            <a:r>
+              <a:rPr lang="en-IE" sz="2400" spc="-150" dirty="0">
                 <a:effectLst/>
                 <a:latin typeface="Calibri"/>
                 <a:ea typeface="Calibri" panose="020F0502020204030204" pitchFamily="34" charset="0"/>
                 <a:cs typeface="Times New Roman"/>
               </a:rPr>
-              <a:t>Template </a:t>
-            </a:r>
-            <a:r>
-              <a:rPr lang="en-IE" sz="2400" baseline="30000">
+              <a:t>Template</a:t>
+            </a:r>
+            <a:r>
+              <a:rPr lang="en-IE" sz="2400" spc="-150" baseline="30000" dirty="0">
                 <a:effectLst/>
                 <a:latin typeface="Calibri"/>
                 <a:ea typeface="Calibri" panose="020F0502020204030204" pitchFamily="34" charset="0"/>
                 <a:cs typeface="Times New Roman"/>
               </a:rPr>
-              <a:t>1</a:t>
-            </a:r>
-            <a:r>
-              <a:rPr lang="en-IE" sz="2400">
+              <a:t>2</a:t>
+            </a:r>
+            <a:r>
+              <a:rPr lang="en-IE" sz="2400" spc="-150" dirty="0">
                 <a:effectLst/>
                 <a:latin typeface="Calibri"/>
                 <a:ea typeface="Calibri" panose="020F0502020204030204" pitchFamily="34" charset="0"/>
                 <a:cs typeface="Times New Roman"/>
               </a:rPr>
-              <a:t>: </a:t>
-            </a:r>
-            <a:r>
-              <a:rPr lang="en-IE" sz="2400" b="0">
+              <a:t> : </a:t>
+            </a:r>
+            <a:r>
+              <a:rPr lang="en-IE" sz="2400" b="0" spc="-150" dirty="0">
                 <a:effectLst/>
                 <a:latin typeface="Calibri"/>
                 <a:ea typeface="Calibri" panose="020F0502020204030204" pitchFamily="34" charset="0"/>
                 <a:cs typeface="Times New Roman"/>
               </a:rPr>
-              <a:t>Interval/Ordinal vs Interval/Ordinal: “Is there a correlation between </a:t>
-            </a:r>
-            <a:r>
-              <a:rPr lang="en-IE" sz="2400" b="0">
-                <a:solidFill>
-                  <a:srgbClr val="0070C0"/>
-                </a:solidFill>
+              <a:t>Interval vs Nominal. data </a:t>
+            </a:r>
+            <a:br>
+              <a:rPr lang="en-IE" sz="2400" b="0" spc="-150" dirty="0">
                 <a:effectLst/>
                 <a:latin typeface="Calibri"/>
                 <a:ea typeface="Calibri" panose="020F0502020204030204" pitchFamily="34" charset="0"/>
                 <a:cs typeface="Times New Roman"/>
               </a:rPr>
-              <a:t>[dependent interval </a:t>
-            </a:r>
-            <a:r>
-              <a:rPr lang="en-IE" sz="2400" b="0">
+            </a:br>
+            <a:r>
+              <a:rPr lang="en-IE" sz="2400" b="0" spc="-150" dirty="0">
                 <a:effectLst/>
                 <a:latin typeface="Calibri"/>
                 <a:ea typeface="Calibri" panose="020F0502020204030204" pitchFamily="34" charset="0"/>
                 <a:cs typeface="Times New Roman"/>
               </a:rPr>
-              <a:t>or</a:t>
-            </a:r>
-            <a:r>
-              <a:rPr lang="en-IE" sz="2400" b="0">
+              <a:t>“Is there a difference in the average of </a:t>
+            </a:r>
+            <a:r>
+              <a:rPr lang="en-IE" sz="2400" b="0" spc="-150" dirty="0">
                 <a:solidFill>
                   <a:srgbClr val="0070C0"/>
                 </a:solidFill>
@@ -6240,61 +6485,98 @@
                 <a:ea typeface="Calibri" panose="020F0502020204030204" pitchFamily="34" charset="0"/>
                 <a:cs typeface="Times New Roman"/>
               </a:rPr>
-              <a:t> ordinal variable] </a:t>
-            </a:r>
-            <a:r>
-              <a:rPr lang="en-IE" sz="2400" b="0">
+              <a:t>closing price </a:t>
+            </a:r>
+            <a:r>
+              <a:rPr lang="en-IE" sz="2400" b="0" spc="-150" dirty="0">
+                <a:latin typeface="Calibri"/>
+                <a:ea typeface="Calibri" panose="020F0502020204030204" pitchFamily="34" charset="0"/>
+                <a:cs typeface="Times New Roman"/>
+              </a:rPr>
+              <a:t>between</a:t>
+            </a:r>
+            <a:r>
+              <a:rPr lang="en-IE" sz="2400" b="0" spc="-150" dirty="0">
                 <a:effectLst/>
                 <a:latin typeface="Calibri"/>
                 <a:ea typeface="Calibri" panose="020F0502020204030204" pitchFamily="34" charset="0"/>
                 <a:cs typeface="Times New Roman"/>
               </a:rPr>
+              <a:t> </a:t>
+            </a:r>
+            <a:r>
+              <a:rPr lang="en-IE" sz="2400" b="0" spc="-150" dirty="0">
+                <a:solidFill>
+                  <a:srgbClr val="0070C0"/>
+                </a:solidFill>
+                <a:latin typeface="Calibri"/>
+                <a:ea typeface="Calibri" panose="020F0502020204030204" pitchFamily="34" charset="0"/>
+                <a:cs typeface="Times New Roman"/>
+              </a:rPr>
+              <a:t>the crops produced </a:t>
+            </a:r>
+            <a:r>
+              <a:rPr lang="en-IE" sz="2400" b="0" spc="-150" dirty="0">
+                <a:latin typeface="Calibri"/>
+                <a:ea typeface="Calibri" panose="020F0502020204030204" pitchFamily="34" charset="0"/>
+                <a:cs typeface="Times New Roman"/>
+              </a:rPr>
+              <a:t>like</a:t>
+            </a:r>
+            <a:r>
+              <a:rPr lang="en-IE" sz="2400" b="0" spc="-150" dirty="0">
+                <a:solidFill>
+                  <a:srgbClr val="0070C0"/>
+                </a:solidFill>
+                <a:latin typeface="Calibri"/>
+                <a:ea typeface="Calibri" panose="020F0502020204030204" pitchFamily="34" charset="0"/>
+                <a:cs typeface="Times New Roman"/>
+              </a:rPr>
+              <a:t> </a:t>
+            </a:r>
+            <a:r>
+              <a:rPr lang="en-IE" sz="2400" b="0" i="1" spc="-150" dirty="0">
+                <a:latin typeface="Calibri"/>
+                <a:ea typeface="Calibri" panose="020F0502020204030204" pitchFamily="34" charset="0"/>
+                <a:cs typeface="Times New Roman"/>
+              </a:rPr>
+              <a:t>rough rice </a:t>
+            </a:r>
+            <a:r>
+              <a:rPr lang="en-IE" sz="2400" b="0" spc="-150" dirty="0">
+                <a:latin typeface="Calibri"/>
+                <a:ea typeface="Calibri" panose="020F0502020204030204" pitchFamily="34" charset="0"/>
+                <a:cs typeface="Times New Roman"/>
+              </a:rPr>
               <a:t>and </a:t>
             </a:r>
             <a:r>
-              <a:rPr lang="en-IE" sz="2400" b="0">
-                <a:solidFill>
-                  <a:srgbClr val="0070C0"/>
-                </a:solidFill>
+              <a:rPr lang="en-IE" sz="2400" b="0" i="1" spc="-150" dirty="0">
+                <a:latin typeface="Calibri"/>
+                <a:ea typeface="Calibri" panose="020F0502020204030204" pitchFamily="34" charset="0"/>
+                <a:cs typeface="Times New Roman"/>
+              </a:rPr>
+              <a:t>oats </a:t>
+            </a:r>
+            <a:r>
+              <a:rPr lang="en-IE" sz="2400" b="0" spc="-150" dirty="0">
+                <a:latin typeface="Calibri"/>
+                <a:ea typeface="Calibri" panose="020F0502020204030204" pitchFamily="34" charset="0"/>
+                <a:cs typeface="Times New Roman"/>
+              </a:rPr>
+              <a:t>grown in a particular country from 2000 to 2024</a:t>
+            </a:r>
+            <a:r>
+              <a:rPr lang="en-IE" sz="2400" b="0" spc="-150" dirty="0">
                 <a:effectLst/>
                 <a:latin typeface="Calibri"/>
                 <a:ea typeface="Calibri" panose="020F0502020204030204" pitchFamily="34" charset="0"/>
                 <a:cs typeface="Times New Roman"/>
               </a:rPr>
-              <a:t>[independent interval </a:t>
-            </a:r>
-            <a:r>
-              <a:rPr lang="en-IE" sz="2400" b="0">
-                <a:effectLst/>
-                <a:latin typeface="Calibri"/>
-                <a:ea typeface="Calibri" panose="020F0502020204030204" pitchFamily="34" charset="0"/>
-                <a:cs typeface="Times New Roman"/>
-              </a:rPr>
-              <a:t>or</a:t>
-            </a:r>
-            <a:r>
-              <a:rPr lang="en-IE" sz="2400" b="0">
-                <a:solidFill>
-                  <a:srgbClr val="0070C0"/>
-                </a:solidFill>
-                <a:effectLst/>
-                <a:latin typeface="Calibri"/>
-                <a:ea typeface="Calibri" panose="020F0502020204030204" pitchFamily="34" charset="0"/>
-                <a:cs typeface="Times New Roman"/>
-              </a:rPr>
-              <a:t> ordinal variable?]”</a:t>
-            </a:r>
-            <a:r>
-              <a:rPr lang="en-IE" sz="2400" b="0">
-                <a:effectLst/>
-                <a:latin typeface="Calibri"/>
-                <a:ea typeface="Calibri" panose="020F0502020204030204" pitchFamily="34" charset="0"/>
-                <a:cs typeface="Times New Roman"/>
-              </a:rPr>
-              <a:t>. </a:t>
+              <a:t>?”</a:t>
             </a:r>
             <a:br>
-              <a:rPr lang="en-IE" sz="2400">
+              <a:rPr lang="en-GB" sz="2400" b="0" dirty="0">
                 <a:effectLst/>
                 <a:latin typeface="Calibri" panose="020F0502020204030204" pitchFamily="34" charset="0"/>
                 <a:ea typeface="Calibri" panose="020F0502020204030204" pitchFamily="34" charset="0"/>
@@ -6302,284 +6584,22 @@
               </a:rPr>
             </a:br>
             <a:br>
-              <a:rPr lang="en-IE" sz="2400">
+              <a:rPr lang="en-IE" sz="2400" dirty="0">
                 <a:effectLst/>
                 <a:latin typeface="Calibri" panose="020F0502020204030204" pitchFamily="34" charset="0"/>
                 <a:ea typeface="Calibri" panose="020F0502020204030204" pitchFamily="34" charset="0"/>
                 <a:cs typeface="Times New Roman" panose="02020603050405020304" pitchFamily="18" charset="0"/>
               </a:rPr>
             </a:br>
-            <a:r>
-              <a:rPr lang="en-IE" sz="2400">
-                <a:effectLst/>
-                <a:latin typeface="Calibri"/>
-                <a:ea typeface="Calibri" panose="020F0502020204030204" pitchFamily="34" charset="0"/>
-                <a:cs typeface="Times New Roman"/>
-              </a:rPr>
-              <a:t>Template</a:t>
-            </a:r>
-            <a:r>
-              <a:rPr lang="en-IE" sz="2400" baseline="30000">
-                <a:effectLst/>
-                <a:latin typeface="Calibri"/>
-                <a:ea typeface="Calibri" panose="020F0502020204030204" pitchFamily="34" charset="0"/>
-                <a:cs typeface="Times New Roman"/>
-              </a:rPr>
-              <a:t>2</a:t>
-            </a:r>
-            <a:r>
-              <a:rPr lang="en-IE" sz="2400">
-                <a:effectLst/>
-                <a:latin typeface="Calibri"/>
-                <a:ea typeface="Calibri" panose="020F0502020204030204" pitchFamily="34" charset="0"/>
-                <a:cs typeface="Times New Roman"/>
-              </a:rPr>
-              <a:t> :</a:t>
-            </a:r>
-            <a:r>
-              <a:rPr lang="en-IE" sz="2400" b="0">
-                <a:effectLst/>
-                <a:latin typeface="Calibri"/>
-                <a:ea typeface="Calibri" panose="020F0502020204030204" pitchFamily="34" charset="0"/>
-                <a:cs typeface="Times New Roman"/>
-              </a:rPr>
-              <a:t>Interval/Ordinal vs Nominal. data “Is there a difference in the mean of </a:t>
-            </a:r>
-            <a:r>
-              <a:rPr lang="en-IE" sz="2400" b="0">
-                <a:solidFill>
-                  <a:srgbClr val="0070C0"/>
-                </a:solidFill>
-                <a:effectLst/>
-                <a:latin typeface="Calibri"/>
-                <a:ea typeface="Calibri" panose="020F0502020204030204" pitchFamily="34" charset="0"/>
-                <a:cs typeface="Times New Roman"/>
-              </a:rPr>
-              <a:t>[dependent interval variable </a:t>
-            </a:r>
-            <a:r>
-              <a:rPr lang="en-IE" sz="2400" b="0">
-                <a:solidFill>
-                  <a:srgbClr val="0070C0"/>
-                </a:solidFill>
-                <a:latin typeface="Calibri"/>
-                <a:ea typeface="Calibri" panose="020F0502020204030204" pitchFamily="34" charset="0"/>
-                <a:cs typeface="Times New Roman"/>
-              </a:rPr>
-              <a:t> </a:t>
-            </a:r>
-            <a:r>
-              <a:rPr lang="en-IE" sz="2400" b="0">
-                <a:latin typeface="Calibri"/>
-                <a:ea typeface="Calibri" panose="020F0502020204030204" pitchFamily="34" charset="0"/>
-                <a:cs typeface="Times New Roman"/>
-              </a:rPr>
-              <a:t>or</a:t>
-            </a:r>
-            <a:r>
-              <a:rPr lang="en-IE" sz="2400" b="0">
-                <a:effectLst/>
-                <a:latin typeface="Calibri"/>
-                <a:ea typeface="Calibri" panose="020F0502020204030204" pitchFamily="34" charset="0"/>
-                <a:cs typeface="Times New Roman"/>
-              </a:rPr>
-              <a:t> </a:t>
-            </a:r>
-            <a:r>
-              <a:rPr lang="en-IE" sz="2400" b="0">
-                <a:solidFill>
-                  <a:srgbClr val="0070C0"/>
-                </a:solidFill>
-                <a:effectLst/>
-                <a:latin typeface="Calibri"/>
-                <a:ea typeface="Calibri" panose="020F0502020204030204" pitchFamily="34" charset="0"/>
-                <a:cs typeface="Times New Roman"/>
-              </a:rPr>
-              <a:t> dependent ordinal variable] </a:t>
-            </a:r>
-            <a:r>
-              <a:rPr lang="en-IE" sz="2400" b="0">
-                <a:effectLst/>
-                <a:latin typeface="Calibri"/>
-                <a:ea typeface="Calibri" panose="020F0502020204030204" pitchFamily="34" charset="0"/>
-                <a:cs typeface="Times New Roman"/>
-              </a:rPr>
-              <a:t>between</a:t>
-            </a:r>
-            <a:r>
-              <a:rPr lang="en-IE" sz="2400" b="0">
-                <a:latin typeface="Calibri"/>
-                <a:ea typeface="Calibri" panose="020F0502020204030204" pitchFamily="34" charset="0"/>
-                <a:cs typeface="Times New Roman"/>
-              </a:rPr>
-              <a:t>/among</a:t>
-            </a:r>
-            <a:r>
-              <a:rPr lang="en-IE" sz="2400" b="0">
-                <a:effectLst/>
-                <a:latin typeface="Calibri"/>
-                <a:ea typeface="Calibri" panose="020F0502020204030204" pitchFamily="34" charset="0"/>
-                <a:cs typeface="Times New Roman"/>
-              </a:rPr>
-              <a:t> </a:t>
-            </a:r>
-            <a:r>
-              <a:rPr lang="en-IE" sz="2400" b="0">
-                <a:solidFill>
-                  <a:srgbClr val="0070C0"/>
-                </a:solidFill>
-                <a:effectLst/>
-                <a:latin typeface="Calibri"/>
-                <a:ea typeface="Calibri" panose="020F0502020204030204" pitchFamily="34" charset="0"/>
-                <a:cs typeface="Times New Roman"/>
-              </a:rPr>
-              <a:t>[independent nominal variable] and [independent nominal variable?]</a:t>
-            </a:r>
-            <a:r>
-              <a:rPr lang="en-IE" sz="2400" b="0">
-                <a:effectLst/>
-                <a:latin typeface="Calibri"/>
-                <a:ea typeface="Calibri" panose="020F0502020204030204" pitchFamily="34" charset="0"/>
-                <a:cs typeface="Times New Roman"/>
-              </a:rPr>
-              <a:t>”.</a:t>
-            </a:r>
             <a:br>
-              <a:rPr lang="en-GB" sz="2400" b="0">
+              <a:rPr lang="en-GB" sz="2400" dirty="0">
                 <a:effectLst/>
                 <a:latin typeface="Calibri" panose="020F0502020204030204" pitchFamily="34" charset="0"/>
                 <a:ea typeface="Calibri" panose="020F0502020204030204" pitchFamily="34" charset="0"/>
                 <a:cs typeface="Times New Roman" panose="02020603050405020304" pitchFamily="18" charset="0"/>
               </a:rPr>
             </a:br>
-            <a:br>
-              <a:rPr lang="en-IE" sz="2400">
-                <a:effectLst/>
-                <a:latin typeface="Calibri" panose="020F0502020204030204" pitchFamily="34" charset="0"/>
-                <a:ea typeface="Calibri" panose="020F0502020204030204" pitchFamily="34" charset="0"/>
-                <a:cs typeface="Times New Roman" panose="02020603050405020304" pitchFamily="18" charset="0"/>
-              </a:rPr>
-            </a:br>
-            <a:r>
-              <a:rPr lang="en-IE" sz="2400">
-                <a:solidFill>
-                  <a:srgbClr val="000000"/>
-                </a:solidFill>
-                <a:effectLst/>
-                <a:latin typeface="Calibri"/>
-                <a:ea typeface="Calibri" panose="020F0502020204030204" pitchFamily="34" charset="0"/>
-                <a:cs typeface="Times New Roman"/>
-              </a:rPr>
-              <a:t>Template </a:t>
-            </a:r>
-            <a:r>
-              <a:rPr lang="en-IE" sz="2400" baseline="30000">
-                <a:solidFill>
-                  <a:srgbClr val="000000"/>
-                </a:solidFill>
-                <a:effectLst/>
-                <a:latin typeface="Calibri"/>
-                <a:ea typeface="Calibri" panose="020F0502020204030204" pitchFamily="34" charset="0"/>
-                <a:cs typeface="Times New Roman"/>
-              </a:rPr>
-              <a:t>3</a:t>
-            </a:r>
-            <a:r>
-              <a:rPr lang="en-IE" sz="2400">
-                <a:solidFill>
-                  <a:srgbClr val="000000"/>
-                </a:solidFill>
-                <a:effectLst/>
-                <a:latin typeface="Calibri"/>
-                <a:ea typeface="Calibri" panose="020F0502020204030204" pitchFamily="34" charset="0"/>
-                <a:cs typeface="Times New Roman"/>
-              </a:rPr>
-              <a:t>:  </a:t>
-            </a:r>
-            <a:r>
-              <a:rPr lang="en-IE" sz="2400" b="0">
-                <a:solidFill>
-                  <a:srgbClr val="000000"/>
-                </a:solidFill>
-                <a:effectLst/>
-                <a:latin typeface="Calibri"/>
-                <a:ea typeface="Calibri" panose="020F0502020204030204" pitchFamily="34" charset="0"/>
-                <a:cs typeface="Times New Roman"/>
-              </a:rPr>
-              <a:t>Nominal vs Nominal  data (frequencies): “</a:t>
-            </a:r>
-            <a:r>
-              <a:rPr lang="en-IE" sz="2400" b="0">
-                <a:effectLst/>
-                <a:latin typeface="Calibri"/>
-                <a:ea typeface="Calibri" panose="020F0502020204030204" pitchFamily="34" charset="0"/>
-                <a:cs typeface="Times New Roman"/>
-              </a:rPr>
-              <a:t>Is there a difference in proportions of </a:t>
-            </a:r>
-            <a:r>
-              <a:rPr lang="en-IE" sz="2400" b="0">
-                <a:solidFill>
-                  <a:srgbClr val="0070C0"/>
-                </a:solidFill>
-                <a:effectLst/>
-                <a:latin typeface="Calibri"/>
-                <a:ea typeface="Calibri" panose="020F0502020204030204" pitchFamily="34" charset="0"/>
-                <a:cs typeface="Times New Roman"/>
-              </a:rPr>
-              <a:t>[dependent nominal variable] </a:t>
-            </a:r>
-            <a:r>
-              <a:rPr lang="en-IE" sz="2400" b="0">
-                <a:effectLst/>
-                <a:latin typeface="Calibri"/>
-                <a:ea typeface="Calibri" panose="020F0502020204030204" pitchFamily="34" charset="0"/>
-                <a:cs typeface="Times New Roman"/>
-              </a:rPr>
-              <a:t>between </a:t>
-            </a:r>
-            <a:r>
-              <a:rPr lang="en-IE" sz="2400" b="0">
-                <a:solidFill>
-                  <a:srgbClr val="0070C0"/>
-                </a:solidFill>
-                <a:effectLst/>
-                <a:latin typeface="Calibri"/>
-                <a:ea typeface="Calibri" panose="020F0502020204030204" pitchFamily="34" charset="0"/>
-                <a:cs typeface="Times New Roman"/>
-              </a:rPr>
-              <a:t>[independent nominal variable] </a:t>
-            </a:r>
-            <a:r>
-              <a:rPr lang="en-IE" sz="2400" b="0">
-                <a:effectLst/>
-                <a:latin typeface="Calibri"/>
-                <a:ea typeface="Calibri" panose="020F0502020204030204" pitchFamily="34" charset="0"/>
-                <a:cs typeface="Times New Roman"/>
-              </a:rPr>
-              <a:t>and </a:t>
-            </a:r>
-            <a:r>
-              <a:rPr lang="en-IE" sz="2400" b="0">
-                <a:solidFill>
-                  <a:srgbClr val="0070C0"/>
-                </a:solidFill>
-                <a:effectLst/>
-                <a:latin typeface="Calibri"/>
-                <a:ea typeface="Calibri" panose="020F0502020204030204" pitchFamily="34" charset="0"/>
-                <a:cs typeface="Times New Roman"/>
-              </a:rPr>
-              <a:t>[independent nominal variable]?”</a:t>
-            </a:r>
-            <a:br>
-              <a:rPr lang="en-GB" sz="2400">
-                <a:effectLst/>
-                <a:latin typeface="Calibri" panose="020F0502020204030204" pitchFamily="34" charset="0"/>
-                <a:ea typeface="Calibri" panose="020F0502020204030204" pitchFamily="34" charset="0"/>
-                <a:cs typeface="Times New Roman" panose="02020603050405020304" pitchFamily="18" charset="0"/>
-              </a:rPr>
-            </a:br>
-            <a:endParaRPr lang="en-GB" sz="2400">
+            <a:endParaRPr lang="en-GB" sz="2400" dirty="0">
               <a:solidFill>
                 <a:srgbClr val="FF0000"/>
               </a:solidFill>
@@ -6602,7 +6622,7 @@
         <p:spPr>
           <a:xfrm>
             <a:off x="623945" y="5297755"/>
-            <a:ext cx="11440040" cy="1477328"/>
+            <a:ext cx="11440040" cy="646331"/>
           </a:xfrm>
           <a:prstGeom prst="rect">
             <a:avLst/>
@@ -6620,134 +6640,7 @@
           <a:lstStyle/>
           <a:p>
             <a:r>
-              <a:rPr lang="en-GB" baseline="30000"/>
-              <a:t>1</a:t>
-            </a:r>
-            <a:r>
-              <a:rPr lang="en-GB" b="1">
-                <a:latin typeface="Calibri"/>
-                <a:cs typeface="Calibri"/>
-              </a:rPr>
-              <a:t>Correlation</a:t>
-            </a:r>
-            <a:r>
-              <a:rPr lang="en-GB"/>
-              <a:t> (</a:t>
-            </a:r>
-            <a:r>
-              <a:rPr lang="en-IE" sz="1800">
-                <a:effectLst/>
-                <a:latin typeface="Calibri"/>
-                <a:ea typeface="Calibri" panose="020F0502020204030204" pitchFamily="34" charset="0"/>
-                <a:cs typeface="Times New Roman"/>
-              </a:rPr>
-              <a:t>Analysis of how </a:t>
-            </a:r>
-            <a:r>
-              <a:rPr lang="en-IE" sz="1800">
-                <a:solidFill>
-                  <a:srgbClr val="FF0000"/>
-                </a:solidFill>
-                <a:effectLst/>
-                <a:latin typeface="Calibri"/>
-                <a:ea typeface="Calibri" panose="020F0502020204030204" pitchFamily="34" charset="0"/>
-                <a:cs typeface="Times New Roman"/>
-              </a:rPr>
-              <a:t>ordinal</a:t>
-            </a:r>
-            <a:r>
-              <a:rPr lang="en-IE">
-                <a:solidFill>
-                  <a:srgbClr val="FF0000"/>
-                </a:solidFill>
-                <a:latin typeface="Calibri"/>
-                <a:ea typeface="Calibri" panose="020F0502020204030204" pitchFamily="34" charset="0"/>
-                <a:cs typeface="Times New Roman"/>
-              </a:rPr>
-              <a:t>/</a:t>
-            </a:r>
-            <a:r>
-              <a:rPr lang="en-IE" sz="1800">
-                <a:solidFill>
-                  <a:srgbClr val="FF0000"/>
-                </a:solidFill>
-                <a:effectLst/>
-                <a:latin typeface="Calibri"/>
-                <a:ea typeface="Calibri" panose="020F0502020204030204" pitchFamily="34" charset="0"/>
-                <a:cs typeface="Times New Roman"/>
-              </a:rPr>
-              <a:t>interval </a:t>
-            </a:r>
-            <a:r>
-              <a:rPr lang="en-IE" sz="1800">
-                <a:solidFill>
-                  <a:srgbClr val="00B050"/>
-                </a:solidFill>
-                <a:effectLst/>
-                <a:latin typeface="Calibri"/>
-                <a:ea typeface="Calibri" panose="020F0502020204030204" pitchFamily="34" charset="0"/>
-                <a:cs typeface="Times New Roman"/>
-              </a:rPr>
-              <a:t>dependent var</a:t>
-            </a:r>
-            <a:r>
-              <a:rPr lang="en-IE" sz="1800">
-                <a:effectLst/>
-                <a:latin typeface="Calibri"/>
-                <a:ea typeface="Calibri" panose="020F0502020204030204" pitchFamily="34" charset="0"/>
-                <a:cs typeface="Times New Roman"/>
-              </a:rPr>
-              <a:t> </a:t>
-            </a:r>
-            <a:r>
-              <a:rPr lang="en-IE">
-                <a:latin typeface="Calibri"/>
-                <a:ea typeface="Calibri" panose="020F0502020204030204" pitchFamily="34" charset="0"/>
-                <a:cs typeface="Times New Roman"/>
-              </a:rPr>
-              <a:t>correlates </a:t>
-            </a:r>
-            <a:r>
-              <a:rPr lang="en-IE" sz="1800">
-                <a:effectLst/>
-                <a:latin typeface="Calibri"/>
-                <a:ea typeface="Calibri" panose="020F0502020204030204" pitchFamily="34" charset="0"/>
-                <a:cs typeface="Times New Roman"/>
-              </a:rPr>
-              <a:t>to an </a:t>
-            </a:r>
-            <a:r>
-              <a:rPr lang="en-IE" sz="1800">
-                <a:solidFill>
-                  <a:srgbClr val="FF0000"/>
-                </a:solidFill>
-                <a:effectLst/>
-                <a:latin typeface="Calibri"/>
-                <a:ea typeface="Calibri" panose="020F0502020204030204" pitchFamily="34" charset="0"/>
-                <a:cs typeface="Times New Roman"/>
-              </a:rPr>
-              <a:t>ordinal/interval </a:t>
-            </a:r>
-            <a:r>
-              <a:rPr lang="en-IE" sz="1800">
-                <a:solidFill>
-                  <a:srgbClr val="00B050"/>
-                </a:solidFill>
-                <a:effectLst/>
-                <a:latin typeface="Calibri"/>
-                <a:ea typeface="Calibri" panose="020F0502020204030204" pitchFamily="34" charset="0"/>
-                <a:cs typeface="Times New Roman"/>
-              </a:rPr>
-              <a:t>independent variable)</a:t>
-            </a:r>
-            <a:endParaRPr lang="en-GB">
-              <a:latin typeface="Calibri"/>
-              <a:cs typeface="Times New Roman"/>
-            </a:endParaRPr>
-          </a:p>
-          <a:p>
-            <a:r>
-              <a:rPr lang="en-IE" sz="1800" b="1" baseline="30000">
+              <a:rPr lang="en-IE" sz="1800" b="1" baseline="30000" dirty="0">
                 <a:effectLst/>
                 <a:latin typeface="Calibri" panose="020F0502020204030204" pitchFamily="34" charset="0"/>
                 <a:ea typeface="Calibri" panose="020F0502020204030204" pitchFamily="34" charset="0"/>
@@ -6756,7 +6649,7 @@
               <a:t>2</a:t>
             </a:r>
             <a:r>
-              <a:rPr lang="en-IE" sz="1800" b="1">
+              <a:rPr lang="en-IE" sz="1800" b="1" dirty="0">
                 <a:effectLst/>
                 <a:latin typeface="Calibri" panose="020F0502020204030204" pitchFamily="34" charset="0"/>
                 <a:ea typeface="Calibri" panose="020F0502020204030204" pitchFamily="34" charset="0"/>
@@ -6765,7 +6658,7 @@
               <a:t>Comparison of means</a:t>
             </a:r>
             <a:r>
-              <a:rPr lang="en-IE" sz="1800">
+              <a:rPr lang="en-IE" sz="1800" dirty="0">
                 <a:effectLst/>
                 <a:latin typeface="Calibri" panose="020F0502020204030204" pitchFamily="34" charset="0"/>
                 <a:ea typeface="Calibri" panose="020F0502020204030204" pitchFamily="34" charset="0"/>
@@ -6773,36 +6666,6 @@
               </a:rPr>
               <a:t> (or medians): Analysis of the difference between the mean (or median) value of a characteristic shared by members of two different populations.</a:t>
             </a:r>
-          </a:p>
-          <a:p>
-            <a:r>
-              <a:rPr lang="en-IE" sz="1800" b="1" baseline="30000">
-                <a:effectLst/>
-                <a:latin typeface="Calibri" panose="020F0502020204030204" pitchFamily="34" charset="0"/>
-                <a:ea typeface="Calibri" panose="020F0502020204030204" pitchFamily="34" charset="0"/>
-                <a:cs typeface="Times New Roman" panose="02020603050405020304" pitchFamily="18" charset="0"/>
-              </a:rPr>
-              <a:t>3</a:t>
-            </a:r>
-            <a:r>
-              <a:rPr lang="en-IE" sz="1800" b="1">
-                <a:effectLst/>
-                <a:latin typeface="Calibri" panose="020F0502020204030204" pitchFamily="34" charset="0"/>
-                <a:ea typeface="Calibri" panose="020F0502020204030204" pitchFamily="34" charset="0"/>
-                <a:cs typeface="Times New Roman" panose="02020603050405020304" pitchFamily="18" charset="0"/>
-              </a:rPr>
-              <a:t>Comparison of proportions:</a:t>
-            </a:r>
-            <a:r>
-              <a:rPr lang="en-IE" sz="1800">
-                <a:effectLst/>
-                <a:latin typeface="Calibri" panose="020F0502020204030204" pitchFamily="34" charset="0"/>
-                <a:ea typeface="Calibri" panose="020F0502020204030204" pitchFamily="34" charset="0"/>
-                <a:cs typeface="Times New Roman" panose="02020603050405020304" pitchFamily="18" charset="0"/>
-              </a:rPr>
-              <a:t> Analysis of the difference in proportions of a characteristic shared by members of two different populations. </a:t>
-            </a:r>
-            <a:endParaRPr lang="en-GB"/>
           </a:p>
         </p:txBody>
       </p:sp>
@@ -6854,7 +6717,7 @@
         </p:nvSpPr>
         <p:spPr>
           <a:xfrm>
-            <a:off x="521219" y="284375"/>
+            <a:off x="521219" y="640991"/>
             <a:ext cx="10406581" cy="1391600"/>
           </a:xfrm>
         </p:spPr>
@@ -6870,61 +6733,23 @@
               </a:lnSpc>
             </a:pPr>
             <a:r>
-              <a:rPr lang="en-GB" sz="2400" b="0" dirty="0">
-                <a:latin typeface="Calibri"/>
-                <a:cs typeface="Calibri"/>
-              </a:rPr>
-              <a:t>Add your </a:t>
-            </a:r>
-            <a:r>
               <a:rPr lang="en-GB" sz="2400" dirty="0">
                 <a:latin typeface="Calibri"/>
                 <a:cs typeface="Calibri"/>
               </a:rPr>
-              <a:t>Hypotheses</a:t>
-            </a:r>
-            <a:r>
-              <a:rPr lang="en-GB" sz="2400" b="0" dirty="0">
-                <a:latin typeface="Calibri"/>
-                <a:cs typeface="Calibri"/>
-              </a:rPr>
-              <a:t> to the previous RQ Slide  (both the Null and Alternative Hypotheses).  Here are definitions and examples. </a:t>
-            </a:r>
-            <a:r>
-              <a:rPr lang="en-GB" sz="2400">
-                <a:latin typeface="Calibri"/>
-                <a:cs typeface="Calibri"/>
-              </a:rPr>
-              <a:t>Your hypothesis wording comes directly from your </a:t>
-            </a:r>
-            <a:r>
-              <a:rPr lang="en-GB" sz="2400" dirty="0">
-                <a:latin typeface="Calibri"/>
-                <a:cs typeface="Calibri"/>
-              </a:rPr>
-              <a:t>RQ</a:t>
-            </a:r>
-            <a:r>
-              <a:rPr lang="en-GB" sz="2400" b="0" dirty="0">
-                <a:latin typeface="Calibri"/>
-                <a:cs typeface="Calibri"/>
-              </a:rPr>
-              <a:t>. This is the formal way of reporting the results of your inferential test statistics,  in which we report the </a:t>
-            </a:r>
-            <a:r>
-              <a:rPr lang="en-GB" sz="2400" b="0" i="1" dirty="0">
-                <a:latin typeface="Calibri"/>
-                <a:cs typeface="Calibri"/>
-              </a:rPr>
-              <a:t>effect</a:t>
-            </a:r>
-            <a:r>
-              <a:rPr lang="en-GB" sz="2400" b="0" dirty="0">
-                <a:latin typeface="Calibri"/>
-                <a:cs typeface="Calibri"/>
-              </a:rPr>
-              <a:t> the independent variable has on the dependent variable – </a:t>
-            </a:r>
+              <a:t>Hypotheses:</a:t>
+            </a:r>
+          </a:p>
+          <a:p>
+            <a:pPr>
+              <a:lnSpc>
+                <a:spcPct val="100000"/>
+              </a:lnSpc>
+            </a:pPr>
+            <a:endParaRPr lang="en-GB" sz="2400" b="0" dirty="0">
+              <a:latin typeface="Calibri"/>
+              <a:cs typeface="Calibri"/>
+            </a:endParaRPr>
           </a:p>
           <a:p>
             <a:pPr marL="457200" indent="-457200">
@@ -6934,39 +6759,39 @@
               <a:buAutoNum type="arabicPeriod"/>
             </a:pPr>
             <a:r>
-              <a:rPr lang="en-GB" sz="2000" b="0">
+              <a:rPr lang="en-GB" sz="2000" b="0" dirty="0">
                 <a:latin typeface="Arial"/>
                 <a:cs typeface="Arial"/>
               </a:rPr>
               <a:t>Null hypothesis (H</a:t>
             </a:r>
             <a:r>
-              <a:rPr lang="en-GB" sz="2000" b="0" baseline="-25000">
+              <a:rPr lang="en-GB" sz="2000" b="0" baseline="-25000" dirty="0">
                 <a:latin typeface="Arial"/>
                 <a:cs typeface="Arial"/>
               </a:rPr>
               <a:t>0</a:t>
             </a:r>
             <a:r>
-              <a:rPr lang="en-GB" sz="2000" b="0">
+              <a:rPr lang="en-GB" sz="2000" b="0" dirty="0">
                 <a:latin typeface="Arial"/>
                 <a:cs typeface="Arial"/>
               </a:rPr>
               <a:t>): There is </a:t>
             </a:r>
             <a:r>
-              <a:rPr lang="en-GB" sz="2000">
+              <a:rPr lang="en-GB" sz="2000" dirty="0">
                 <a:latin typeface="Arial"/>
                 <a:cs typeface="Arial"/>
               </a:rPr>
               <a:t>no </a:t>
             </a:r>
             <a:r>
-              <a:rPr lang="en-GB" sz="2000" b="0">
+              <a:rPr lang="en-GB" sz="2000" b="0" dirty="0">
                 <a:latin typeface="Arial"/>
                 <a:cs typeface="Arial"/>
               </a:rPr>
-              <a:t>effect on the population – so you write one of the following:  </a:t>
+              <a:t>effect on the population :  </a:t>
             </a:r>
           </a:p>
           <a:p>
@@ -6976,7 +6801,7 @@
               </a:lnSpc>
             </a:pPr>
             <a:r>
-              <a:rPr lang="en-GB" sz="2000" b="0">
+              <a:rPr lang="en-GB" sz="2000" b="0" dirty="0">
                 <a:solidFill>
                   <a:srgbClr val="FF0000"/>
                 </a:solidFill>
@@ -6986,7 +6811,7 @@
               <a:t>Null hypothesis (H</a:t>
             </a:r>
             <a:r>
-              <a:rPr lang="en-GB" sz="2000" b="0" baseline="-25000">
+              <a:rPr lang="en-GB" sz="2000" b="0" baseline="-25000" dirty="0">
                 <a:solidFill>
                   <a:srgbClr val="FF0000"/>
                 </a:solidFill>
@@ -6996,44 +6821,54 @@
               <a:t>0</a:t>
             </a:r>
             <a:r>
-              <a:rPr lang="en-GB" sz="2000" b="0">
+              <a:rPr lang="en-GB" sz="2000" b="0" dirty="0">
                 <a:solidFill>
                   <a:srgbClr val="FF0000"/>
                 </a:solidFill>
                 <a:latin typeface="Arial"/>
                 <a:cs typeface="Arial"/>
               </a:rPr>
-              <a:t>): There is </a:t>
-            </a:r>
-            <a:r>
-              <a:rPr lang="en-GB" sz="2000">
+              <a:t>): </a:t>
+            </a:r>
+            <a:r>
+              <a:rPr lang="en-US" sz="2000" b="0" dirty="0">
                 <a:solidFill>
                   <a:srgbClr val="FF0000"/>
                 </a:solidFill>
                 <a:latin typeface="Arial"/>
                 <a:cs typeface="Arial"/>
               </a:rPr>
-              <a:t>no</a:t>
-            </a:r>
-            <a:r>
-              <a:rPr lang="en-GB" sz="2000" b="0">
+              <a:t>There is </a:t>
+            </a:r>
+            <a:r>
+              <a:rPr lang="en-US" sz="2000" dirty="0">
                 <a:solidFill>
                   <a:srgbClr val="FF0000"/>
                 </a:solidFill>
                 <a:latin typeface="Arial"/>
                 <a:cs typeface="Arial"/>
               </a:rPr>
-              <a:t> difference in the mean/median of the [dependent variable] between/among [subsets of the independent variable].              </a:t>
-            </a:r>
-            <a:r>
-              <a:rPr lang="en-GB" sz="2000" b="0">
-                <a:solidFill>
-                  <a:schemeClr val="tx1"/>
+              <a:t>no</a:t>
+            </a:r>
+            <a:r>
+              <a:rPr lang="en-US" sz="2000" b="0" dirty="0">
+                <a:solidFill>
+                  <a:srgbClr val="FF0000"/>
                 </a:solidFill>
                 <a:latin typeface="Arial"/>
                 <a:cs typeface="Arial"/>
               </a:rPr>
-              <a:t>or</a:t>
+              <a:t> difference in the average closing price between the crops produced, like rough rice and oats, grown in a particular country from 2000 to 2024.</a:t>
+            </a:r>
+            <a:r>
+              <a:rPr lang="en-GB" sz="2000" b="0" dirty="0">
+                <a:solidFill>
+                  <a:srgbClr val="FF0000"/>
+                </a:solidFill>
+                <a:latin typeface="Arial"/>
+                <a:cs typeface="Arial"/>
+              </a:rPr>
+              <a:t>             </a:t>
             </a:r>
           </a:p>
           <a:p>
@@ -7042,66 +6877,13 @@
                 <a:spcPct val="100000"/>
               </a:lnSpc>
             </a:pPr>
-            <a:r>
-              <a:rPr lang="en-GB" sz="2000" b="0">
-                <a:solidFill>
-                  <a:srgbClr val="FF0000"/>
-                </a:solidFill>
-                <a:latin typeface="Arial"/>
-                <a:cs typeface="Arial"/>
-              </a:rPr>
-              <a:t>Null hypothesis (H</a:t>
-            </a:r>
-            <a:r>
-              <a:rPr lang="en-GB" sz="2000" b="0" baseline="-25000">
-                <a:solidFill>
-                  <a:srgbClr val="FF0000"/>
-                </a:solidFill>
-                <a:latin typeface="Arial"/>
-                <a:cs typeface="Arial"/>
-              </a:rPr>
-              <a:t>0</a:t>
-            </a:r>
-            <a:r>
-              <a:rPr lang="en-GB" sz="2000" b="0">
-                <a:solidFill>
-                  <a:srgbClr val="FF0000"/>
-                </a:solidFill>
-                <a:latin typeface="Arial"/>
-                <a:cs typeface="Arial"/>
-              </a:rPr>
-              <a:t>):  There is </a:t>
-            </a:r>
-            <a:r>
-              <a:rPr lang="en-GB" sz="2000">
-                <a:solidFill>
-                  <a:srgbClr val="FF0000"/>
-                </a:solidFill>
-                <a:latin typeface="Arial"/>
-                <a:cs typeface="Arial"/>
-              </a:rPr>
-              <a:t>no</a:t>
-            </a:r>
-            <a:r>
-              <a:rPr lang="en-GB" sz="2000" b="0">
-                <a:solidFill>
-                  <a:srgbClr val="FF0000"/>
-                </a:solidFill>
-                <a:latin typeface="Arial"/>
-                <a:cs typeface="Arial"/>
-              </a:rPr>
-              <a:t> difference in the proportions(s)of [subset(s) of dependent variable] between/among [subsets of independent variable].                     </a:t>
-            </a:r>
-            <a:r>
-              <a:rPr lang="en-GB" sz="2000" b="0">
-                <a:solidFill>
-                  <a:schemeClr val="tx1"/>
-                </a:solidFill>
-                <a:latin typeface="Arial"/>
-                <a:cs typeface="Arial"/>
-              </a:rPr>
-              <a:t>or</a:t>
-            </a:r>
+            <a:endParaRPr lang="en-GB" sz="2000" b="0" dirty="0">
+              <a:solidFill>
+                <a:schemeClr val="tx1"/>
+              </a:solidFill>
+              <a:latin typeface="Arial"/>
+              <a:cs typeface="Arial"/>
+            </a:endParaRPr>
           </a:p>
           <a:p>
             <a:pPr>
@@ -7110,54 +6892,25 @@
               </a:lnSpc>
             </a:pPr>
             <a:r>
-              <a:rPr lang="en-GB" sz="2000" b="0">
-                <a:solidFill>
-                  <a:srgbClr val="FF0000"/>
-                </a:solidFill>
+              <a:rPr lang="en-GB" sz="2000" b="0" dirty="0">
                 <a:latin typeface="Arial"/>
                 <a:cs typeface="Arial"/>
               </a:rPr>
-              <a:t>Null hypothesis (H</a:t>
-            </a:r>
-            <a:r>
-              <a:rPr lang="en-GB" sz="2000" b="0" baseline="-25000">
-                <a:solidFill>
-                  <a:srgbClr val="FF0000"/>
-                </a:solidFill>
+              <a:t>2. Alternative hypothesis (H</a:t>
+            </a:r>
+            <a:r>
+              <a:rPr lang="en-GB" sz="2000" b="0" baseline="-25000" dirty="0">
                 <a:latin typeface="Arial"/>
                 <a:cs typeface="Arial"/>
               </a:rPr>
-              <a:t>0</a:t>
-            </a:r>
-            <a:r>
-              <a:rPr lang="en-GB" sz="2000" b="0">
-                <a:solidFill>
-                  <a:srgbClr val="FF0000"/>
-                </a:solidFill>
+              <a:t>1</a:t>
+            </a:r>
+            <a:r>
+              <a:rPr lang="en-GB" sz="2000" b="0" dirty="0">
                 <a:latin typeface="Arial"/>
                 <a:cs typeface="Arial"/>
               </a:rPr>
-              <a:t>): There is </a:t>
-            </a:r>
-            <a:r>
-              <a:rPr lang="en-GB" sz="2000">
-                <a:solidFill>
-                  <a:srgbClr val="FF0000"/>
-                </a:solidFill>
-                <a:latin typeface="Arial"/>
-                <a:cs typeface="Arial"/>
-              </a:rPr>
-              <a:t>no</a:t>
-            </a:r>
-            <a:r>
-              <a:rPr lang="en-GB" sz="2000" b="0">
-                <a:solidFill>
-                  <a:srgbClr val="FF0000"/>
-                </a:solidFill>
-                <a:latin typeface="Arial"/>
-                <a:cs typeface="Arial"/>
-              </a:rPr>
-              <a:t> correlation between [dependent variable] and [independent variable].</a:t>
+              <a:t>):  There appears to be an effect on the population :</a:t>
             </a:r>
           </a:p>
           <a:p>
@@ -7167,97 +6920,61 @@
               </a:lnSpc>
             </a:pPr>
             <a:r>
-              <a:rPr lang="en-GB" sz="2000" b="0">
+              <a:rPr lang="en-GB" sz="2000" b="0" dirty="0">
+                <a:solidFill>
+                  <a:srgbClr val="FF0000"/>
+                </a:solidFill>
                 <a:latin typeface="Arial"/>
                 <a:cs typeface="Arial"/>
               </a:rPr>
-              <a:t>2. Alternative hypothesis (H</a:t>
-            </a:r>
-            <a:r>
-              <a:rPr lang="en-GB" sz="2000" b="0" baseline="-25000">
+              <a:t>Alt hypothesis (H</a:t>
+            </a:r>
+            <a:r>
+              <a:rPr lang="en-GB" sz="2000" b="0" baseline="-25000" dirty="0">
+                <a:solidFill>
+                  <a:srgbClr val="FF0000"/>
+                </a:solidFill>
                 <a:latin typeface="Arial"/>
                 <a:cs typeface="Arial"/>
               </a:rPr>
               <a:t>1</a:t>
             </a:r>
             <a:r>
-              <a:rPr lang="en-GB" sz="2000" b="0">
+              <a:rPr lang="en-GB" sz="2000" b="0" dirty="0">
+                <a:solidFill>
+                  <a:srgbClr val="FF0000"/>
+                </a:solidFill>
                 <a:latin typeface="Arial"/>
                 <a:cs typeface="Arial"/>
               </a:rPr>
-              <a:t>):  There appears to be an effect on the population – so you copy what you wrote for the Null hypothesis but remove the ‘no’ and replace with ‘</a:t>
-            </a:r>
-            <a:r>
-              <a:rPr lang="en-GB" sz="2000">
+              <a:t>): There </a:t>
+            </a:r>
+            <a:r>
+              <a:rPr lang="en-GB" sz="2000" dirty="0">
+                <a:solidFill>
+                  <a:srgbClr val="FF0000"/>
+                </a:solidFill>
                 <a:latin typeface="Arial"/>
                 <a:cs typeface="Arial"/>
               </a:rPr>
-              <a:t>a’  </a:t>
-            </a:r>
-            <a:r>
-              <a:rPr lang="en-GB" sz="2000" b="0">
-                <a:latin typeface="Arial"/>
+              <a:t>is </a:t>
+            </a:r>
+            <a:r>
+              <a:rPr lang="en-US" sz="2000" b="0" dirty="0">
+                <a:solidFill>
+                  <a:srgbClr val="FF0000"/>
+                </a:solidFill>
                 <a:cs typeface="Arial"/>
               </a:rPr>
-              <a:t>For example:</a:t>
-            </a:r>
-          </a:p>
-          <a:p>
-            <a:pPr>
-              <a:lnSpc>
-                <a:spcPct val="100000"/>
-              </a:lnSpc>
-            </a:pPr>
-            <a:r>
-              <a:rPr lang="en-GB" sz="2000" b="0">
-                <a:solidFill>
-                  <a:srgbClr val="FF0000"/>
-                </a:solidFill>
-                <a:latin typeface="Arial"/>
-                <a:cs typeface="Arial"/>
-              </a:rPr>
-              <a:t>Alt hypothesis (H</a:t>
-            </a:r>
-            <a:r>
-              <a:rPr lang="en-GB" sz="2000" b="0" baseline="-25000">
-                <a:solidFill>
-                  <a:srgbClr val="FF0000"/>
-                </a:solidFill>
-                <a:latin typeface="Arial"/>
-                <a:cs typeface="Arial"/>
-              </a:rPr>
-              <a:t>1</a:t>
-            </a:r>
-            <a:r>
-              <a:rPr lang="en-GB" sz="2000" b="0">
-                <a:solidFill>
-                  <a:srgbClr val="FF0000"/>
-                </a:solidFill>
-                <a:latin typeface="Arial"/>
-                <a:cs typeface="Arial"/>
-              </a:rPr>
-              <a:t>): There is </a:t>
-            </a:r>
-            <a:r>
-              <a:rPr lang="en-GB" sz="2000">
-                <a:solidFill>
-                  <a:srgbClr val="FF0000"/>
-                </a:solidFill>
-                <a:latin typeface="Arial"/>
-                <a:cs typeface="Arial"/>
-              </a:rPr>
-              <a:t>a</a:t>
-            </a:r>
-            <a:r>
-              <a:rPr lang="en-GB" sz="2000" b="0">
-                <a:solidFill>
-                  <a:srgbClr val="FF0000"/>
-                </a:solidFill>
-                <a:latin typeface="Arial"/>
-                <a:cs typeface="Arial"/>
-              </a:rPr>
-              <a:t> correlation between [dependent variable] and [independent variable].</a:t>
-            </a:r>
+              <a:t>a difference in the average closing price between the crops produced, like rough rice and oats, grown in a particular country from 2000 to 2024.</a:t>
+            </a:r>
+            <a:endParaRPr lang="en-GB" sz="2000" b="0" dirty="0">
+              <a:solidFill>
+                <a:srgbClr val="FF0000"/>
+              </a:solidFill>
+              <a:latin typeface="Arial"/>
+              <a:cs typeface="Arial"/>
+            </a:endParaRPr>
           </a:p>
         </p:txBody>
       </p:sp>
@@ -7292,92 +7009,6 @@
               <a:t>4</a:t>
             </a:r>
             <a:endParaRPr lang="en-GB"/>
-          </a:p>
-        </p:txBody>
-      </p:sp>
-      <p:sp>
-        <p:nvSpPr>
-          <p:cNvPr id="6" name="TextBox 5">
-            <a:extLst>
-              <a:ext uri="{FF2B5EF4-FFF2-40B4-BE49-F238E27FC236}">
-                <a16:creationId xmlns:a16="http://schemas.microsoft.com/office/drawing/2014/main" id="{1841CE34-1B2E-88D5-0C3F-506E8C37BB7B}"/>
-              </a:ext>
-            </a:extLst>
-          </p:cNvPr>
-          <p:cNvSpPr txBox="1"/>
-          <p:nvPr/>
-        </p:nvSpPr>
-        <p:spPr>
-          <a:xfrm>
-            <a:off x="3356146" y="5298491"/>
-            <a:ext cx="7811780" cy="1477328"/>
-          </a:xfrm>
-          <a:prstGeom prst="rect">
-            <a:avLst/>
-          </a:prstGeom>
-          <a:noFill/>
-        </p:spPr>
-        <p:txBody>
-          <a:bodyPr wrap="square" lIns="91440" tIns="45720" rIns="91440" bIns="45720" anchor="t">
-            <a:spAutoFit/>
-          </a:bodyPr>
-          <a:lstStyle/>
-          <a:p>
-            <a:r>
-              <a:rPr lang="en-GB"/>
-              <a:t>L</a:t>
-            </a:r>
-            <a:r>
-              <a:rPr lang="en-GB" sz="1800" b="0"/>
-              <a:t>eave the hypotheses as </a:t>
-            </a:r>
-            <a:r>
-              <a:rPr lang="en-GB"/>
-              <a:t>two </a:t>
-            </a:r>
-            <a:r>
-              <a:rPr lang="en-GB" sz="1800" b="0"/>
-              <a:t>statements for now – after your </a:t>
-            </a:r>
-            <a:r>
-              <a:rPr lang="en-GB"/>
-              <a:t>statistical </a:t>
-            </a:r>
-            <a:r>
-              <a:rPr lang="en-GB" sz="1800" b="0"/>
-              <a:t>analysis </a:t>
-            </a:r>
-            <a:r>
-              <a:rPr lang="en-GB"/>
-              <a:t>test, </a:t>
-            </a:r>
-            <a:r>
-              <a:rPr lang="en-GB" sz="1800" b="0"/>
-              <a:t>you </a:t>
-            </a:r>
-            <a:r>
-              <a:rPr lang="en-GB"/>
-              <a:t>will </a:t>
-            </a:r>
-            <a:r>
-              <a:rPr lang="en-GB" sz="1800" b="0"/>
-              <a:t>choose one or the other.</a:t>
-            </a:r>
-            <a:r>
-              <a:rPr lang="en-GB"/>
-              <a:t> (</a:t>
-            </a:r>
-            <a:r>
-              <a:rPr lang="en-GB" i="1"/>
-              <a:t>You will report: "We fail to reject the null hypothesis" with no significant result, or if you do have significance [p-value = &lt; 0.05] you can state "We reject the null hypothesis".   More guidance on hypothesis testing is given in the lectures</a:t>
-            </a:r>
-            <a:r>
-              <a:rPr lang="en-GB"/>
-              <a:t>.)</a:t>
-            </a:r>
-            <a:endParaRPr lang="en-GB">
-              <a:cs typeface="Arial"/>
-            </a:endParaRPr>
           </a:p>
         </p:txBody>
       </p:sp>
@@ -8246,14 +7877,6 @@
 </file>
 
 <file path=customXml/item1.xml><?xml version="1.0" encoding="utf-8"?>
-<p:properties xmlns:p="http://schemas.microsoft.com/office/2006/metadata/properties" xmlns:xsi="http://www.w3.org/2001/XMLSchema-instance" xmlns:pc="http://schemas.microsoft.com/office/infopath/2007/PartnerControls">
-  <documentManagement>
-    <Information xmlns="4ad138b4-2b68-4b70-945d-07f8f18b1c9a" xsi:nil="true"/>
-  </documentManagement>
-</p:properties>
-</file>
-
-<file path=customXml/item2.xml><?xml version="1.0" encoding="utf-8"?>
 <?mso-contentType ?>
 <FormTemplates xmlns="http://schemas.microsoft.com/sharepoint/v3/contenttype/forms">
   <Display>DocumentLibraryForm</Display>
@@ -8262,7 +7885,7 @@
 </FormTemplates>
 </file>
 
-<file path=customXml/item3.xml><?xml version="1.0" encoding="utf-8"?>
+<file path=customXml/item2.xml><?xml version="1.0" encoding="utf-8"?>
 <ct:contentTypeSchema xmlns:ct="http://schemas.microsoft.com/office/2006/metadata/contentType" xmlns:ma="http://schemas.microsoft.com/office/2006/metadata/properties/metaAttributes" ct:_="" ma:_="" ma:contentTypeName="Document" ma:contentTypeID="0x01010026DBA85F447B164191BB36C258697B67" ma:contentTypeVersion="14" ma:contentTypeDescription="Create a new document." ma:contentTypeScope="" ma:versionID="ea511d05ca7f895fe9556935b5c9af34">
   <xsd:schema xmlns:xsd="http://www.w3.org/2001/XMLSchema" xmlns:xs="http://www.w3.org/2001/XMLSchema" xmlns:p="http://schemas.microsoft.com/office/2006/metadata/properties" xmlns:ns2="4ad138b4-2b68-4b70-945d-07f8f18b1c9a" xmlns:ns3="3c474641-ec36-472f-b125-6b1b0910eaa4" targetNamespace="http://schemas.microsoft.com/office/2006/metadata/properties" ma:root="true" ma:fieldsID="662270106d7a7e100bcac2c5f8d29899" ns2:_="" ns3:_="">
     <xsd:import namespace="4ad138b4-2b68-4b70-945d-07f8f18b1c9a"/>
@@ -8487,24 +8110,15 @@
 </ct:contentTypeSchema>
 </file>
 
-<file path=customXml/itemProps1.xml><?xml version="1.0" encoding="utf-8"?>
-<ds:datastoreItem xmlns:ds="http://schemas.openxmlformats.org/officeDocument/2006/customXml" ds:itemID="{EDD1FC41-23C7-41B0-B5F9-BF4CD38AD2ED}">
-  <ds:schemaRefs>
-    <ds:schemaRef ds:uri="3c474641-ec36-472f-b125-6b1b0910eaa4"/>
-    <ds:schemaRef ds:uri="4ad138b4-2b68-4b70-945d-07f8f18b1c9a"/>
-    <ds:schemaRef ds:uri="http://purl.org/dc/dcmitype/"/>
-    <ds:schemaRef ds:uri="http://purl.org/dc/elements/1.1/"/>
-    <ds:schemaRef ds:uri="http://purl.org/dc/terms/"/>
-    <ds:schemaRef ds:uri="http://schemas.microsoft.com/office/2006/documentManagement/types"/>
-    <ds:schemaRef ds:uri="http://schemas.microsoft.com/office/2006/metadata/properties"/>
-    <ds:schemaRef ds:uri="http://schemas.microsoft.com/office/infopath/2007/PartnerControls"/>
-    <ds:schemaRef ds:uri="http://schemas.openxmlformats.org/package/2006/metadata/core-properties"/>
-    <ds:schemaRef ds:uri="http://www.w3.org/XML/1998/namespace"/>
-  </ds:schemaRefs>
-</ds:datastoreItem>
+<file path=customXml/item3.xml><?xml version="1.0" encoding="utf-8"?>
+<p:properties xmlns:p="http://schemas.microsoft.com/office/2006/metadata/properties" xmlns:xsi="http://www.w3.org/2001/XMLSchema-instance" xmlns:pc="http://schemas.microsoft.com/office/infopath/2007/PartnerControls">
+  <documentManagement>
+    <Information xmlns="4ad138b4-2b68-4b70-945d-07f8f18b1c9a" xsi:nil="true"/>
+  </documentManagement>
+</p:properties>
 </file>
 
-<file path=customXml/itemProps2.xml><?xml version="1.0" encoding="utf-8"?>
+<file path=customXml/itemProps1.xml><?xml version="1.0" encoding="utf-8"?>
 <ds:datastoreItem xmlns:ds="http://schemas.openxmlformats.org/officeDocument/2006/customXml" ds:itemID="{91C521DD-2673-4EE6-BB9B-DC5C3320FFBB}">
   <ds:schemaRefs>
     <ds:schemaRef ds:uri="http://schemas.microsoft.com/sharepoint/v3/contenttype/forms"/>
@@ -8512,7 +8126,7 @@
 </ds:datastoreItem>
 </file>
 
-<file path=customXml/itemProps3.xml><?xml version="1.0" encoding="utf-8"?>
+<file path=customXml/itemProps2.xml><?xml version="1.0" encoding="utf-8"?>
 <ds:datastoreItem xmlns:ds="http://schemas.openxmlformats.org/officeDocument/2006/customXml" ds:itemID="{421B8C57-903D-4D0E-8336-7B512F760CD1}">
   <ds:schemaRefs>
     <ds:schemaRef ds:uri="3c474641-ec36-472f-b125-6b1b0910eaa4"/>
@@ -8529,4 +8143,21 @@
     <ds:schemaRef ds:uri="http://www.w3.org/2001/XMLSchema"/>
   </ds:schemaRefs>
 </ds:datastoreItem>
+</file>
+
+<file path=customXml/itemProps3.xml><?xml version="1.0" encoding="utf-8"?>
+<ds:datastoreItem xmlns:ds="http://schemas.openxmlformats.org/officeDocument/2006/customXml" ds:itemID="{EDD1FC41-23C7-41B0-B5F9-BF4CD38AD2ED}">
+  <ds:schemaRefs>
+    <ds:schemaRef ds:uri="3c474641-ec36-472f-b125-6b1b0910eaa4"/>
+    <ds:schemaRef ds:uri="4ad138b4-2b68-4b70-945d-07f8f18b1c9a"/>
+    <ds:schemaRef ds:uri="http://purl.org/dc/dcmitype/"/>
+    <ds:schemaRef ds:uri="http://purl.org/dc/elements/1.1/"/>
+    <ds:schemaRef ds:uri="http://purl.org/dc/terms/"/>
+    <ds:schemaRef ds:uri="http://schemas.microsoft.com/office/2006/documentManagement/types"/>
+    <ds:schemaRef ds:uri="http://schemas.microsoft.com/office/2006/metadata/properties"/>
+    <ds:schemaRef ds:uri="http://schemas.microsoft.com/office/infopath/2007/PartnerControls"/>
+    <ds:schemaRef ds:uri="http://schemas.openxmlformats.org/package/2006/metadata/core-properties"/>
+    <ds:schemaRef ds:uri="http://www.w3.org/XML/1998/namespace"/>
+  </ds:schemaRefs>
+</ds:datastoreItem>
 </file>
--- a/reseach_question_presentation_template.pptx
+++ b/reseach_question_presentation_template.pptx
@@ -256,7 +256,7 @@
             <a:fld id="{93FAAC3A-BD1F-4A00-9099-74B95789FE00}" type="datetimeFigureOut">
               <a:rPr lang="en-GB" smtClean="0"/>
               <a:pPr/>
-              <a:t>03/12/2025</a:t>
+              <a:t>06/12/2025</a:t>
             </a:fld>
             <a:endParaRPr lang="en-GB"/>
           </a:p>
@@ -435,7 +435,7 @@
             <a:fld id="{8E359C8A-39F6-4045-9163-4042C4C26B15}" type="datetimeFigureOut">
               <a:rPr lang="en-GB" smtClean="0"/>
               <a:pPr/>
-              <a:t>03/12/2025</a:t>
+              <a:t>06/12/2025</a:t>
             </a:fld>
             <a:endParaRPr lang="en-GB"/>
           </a:p>
@@ -5088,7 +5088,11 @@
             </a:br>
             <a:r>
               <a:rPr lang="en-US" sz="2200" dirty="0"/>
-              <a:t>Date: </a:t>
+              <a:t>Date</a:t>
+            </a:r>
+            <a:r>
+              <a:rPr lang="en-US" sz="2200"/>
+              <a:t>: 17/11/2025</a:t>
             </a:r>
             <a:br>
               <a:rPr lang="en-US" sz="8000" dirty="0"/>
@@ -7886,6 +7890,14 @@
 </file>
 
 <file path=customXml/item2.xml><?xml version="1.0" encoding="utf-8"?>
+<p:properties xmlns:p="http://schemas.microsoft.com/office/2006/metadata/properties" xmlns:xsi="http://www.w3.org/2001/XMLSchema-instance" xmlns:pc="http://schemas.microsoft.com/office/infopath/2007/PartnerControls">
+  <documentManagement>
+    <Information xmlns="4ad138b4-2b68-4b70-945d-07f8f18b1c9a" xsi:nil="true"/>
+  </documentManagement>
+</p:properties>
+</file>
+
+<file path=customXml/item3.xml><?xml version="1.0" encoding="utf-8"?>
 <ct:contentTypeSchema xmlns:ct="http://schemas.microsoft.com/office/2006/metadata/contentType" xmlns:ma="http://schemas.microsoft.com/office/2006/metadata/properties/metaAttributes" ct:_="" ma:_="" ma:contentTypeName="Document" ma:contentTypeID="0x01010026DBA85F447B164191BB36C258697B67" ma:contentTypeVersion="14" ma:contentTypeDescription="Create a new document." ma:contentTypeScope="" ma:versionID="ea511d05ca7f895fe9556935b5c9af34">
   <xsd:schema xmlns:xsd="http://www.w3.org/2001/XMLSchema" xmlns:xs="http://www.w3.org/2001/XMLSchema" xmlns:p="http://schemas.microsoft.com/office/2006/metadata/properties" xmlns:ns2="4ad138b4-2b68-4b70-945d-07f8f18b1c9a" xmlns:ns3="3c474641-ec36-472f-b125-6b1b0910eaa4" targetNamespace="http://schemas.microsoft.com/office/2006/metadata/properties" ma:root="true" ma:fieldsID="662270106d7a7e100bcac2c5f8d29899" ns2:_="" ns3:_="">
     <xsd:import namespace="4ad138b4-2b68-4b70-945d-07f8f18b1c9a"/>
@@ -8110,14 +8122,6 @@
 </ct:contentTypeSchema>
 </file>
 
-<file path=customXml/item3.xml><?xml version="1.0" encoding="utf-8"?>
-<p:properties xmlns:p="http://schemas.microsoft.com/office/2006/metadata/properties" xmlns:xsi="http://www.w3.org/2001/XMLSchema-instance" xmlns:pc="http://schemas.microsoft.com/office/infopath/2007/PartnerControls">
-  <documentManagement>
-    <Information xmlns="4ad138b4-2b68-4b70-945d-07f8f18b1c9a" xsi:nil="true"/>
-  </documentManagement>
-</p:properties>
-</file>
-
 <file path=customXml/itemProps1.xml><?xml version="1.0" encoding="utf-8"?>
 <ds:datastoreItem xmlns:ds="http://schemas.openxmlformats.org/officeDocument/2006/customXml" ds:itemID="{91C521DD-2673-4EE6-BB9B-DC5C3320FFBB}">
   <ds:schemaRefs>
@@ -8127,6 +8131,23 @@
 </file>
 
 <file path=customXml/itemProps2.xml><?xml version="1.0" encoding="utf-8"?>
+<ds:datastoreItem xmlns:ds="http://schemas.openxmlformats.org/officeDocument/2006/customXml" ds:itemID="{EDD1FC41-23C7-41B0-B5F9-BF4CD38AD2ED}">
+  <ds:schemaRefs>
+    <ds:schemaRef ds:uri="3c474641-ec36-472f-b125-6b1b0910eaa4"/>
+    <ds:schemaRef ds:uri="4ad138b4-2b68-4b70-945d-07f8f18b1c9a"/>
+    <ds:schemaRef ds:uri="http://purl.org/dc/dcmitype/"/>
+    <ds:schemaRef ds:uri="http://purl.org/dc/elements/1.1/"/>
+    <ds:schemaRef ds:uri="http://purl.org/dc/terms/"/>
+    <ds:schemaRef ds:uri="http://schemas.microsoft.com/office/2006/documentManagement/types"/>
+    <ds:schemaRef ds:uri="http://schemas.microsoft.com/office/2006/metadata/properties"/>
+    <ds:schemaRef ds:uri="http://schemas.microsoft.com/office/infopath/2007/PartnerControls"/>
+    <ds:schemaRef ds:uri="http://schemas.openxmlformats.org/package/2006/metadata/core-properties"/>
+    <ds:schemaRef ds:uri="http://www.w3.org/XML/1998/namespace"/>
+  </ds:schemaRefs>
+</ds:datastoreItem>
+</file>
+
+<file path=customXml/itemProps3.xml><?xml version="1.0" encoding="utf-8"?>
 <ds:datastoreItem xmlns:ds="http://schemas.openxmlformats.org/officeDocument/2006/customXml" ds:itemID="{421B8C57-903D-4D0E-8336-7B512F760CD1}">
   <ds:schemaRefs>
     <ds:schemaRef ds:uri="3c474641-ec36-472f-b125-6b1b0910eaa4"/>
@@ -8143,21 +8164,4 @@
     <ds:schemaRef ds:uri="http://www.w3.org/2001/XMLSchema"/>
   </ds:schemaRefs>
 </ds:datastoreItem>
-</file>
-
-<file path=customXml/itemProps3.xml><?xml version="1.0" encoding="utf-8"?>
-<ds:datastoreItem xmlns:ds="http://schemas.openxmlformats.org/officeDocument/2006/customXml" ds:itemID="{EDD1FC41-23C7-41B0-B5F9-BF4CD38AD2ED}">
-  <ds:schemaRefs>
-    <ds:schemaRef ds:uri="3c474641-ec36-472f-b125-6b1b0910eaa4"/>
-    <ds:schemaRef ds:uri="4ad138b4-2b68-4b70-945d-07f8f18b1c9a"/>
-    <ds:schemaRef ds:uri="http://purl.org/dc/dcmitype/"/>
-    <ds:schemaRef ds:uri="http://purl.org/dc/elements/1.1/"/>
-    <ds:schemaRef ds:uri="http://purl.org/dc/terms/"/>
-    <ds:schemaRef ds:uri="http://schemas.microsoft.com/office/2006/documentManagement/types"/>
-    <ds:schemaRef ds:uri="http://schemas.microsoft.com/office/2006/metadata/properties"/>
-    <ds:schemaRef ds:uri="http://schemas.microsoft.com/office/infopath/2007/PartnerControls"/>
-    <ds:schemaRef ds:uri="http://schemas.openxmlformats.org/package/2006/metadata/core-properties"/>
-    <ds:schemaRef ds:uri="http://www.w3.org/XML/1998/namespace"/>
-  </ds:schemaRefs>
-</ds:datastoreItem>
 </file>